--- a/Slides/Module 01.2 Requirements Gathering.pptx
+++ b/Slides/Module 01.2 Requirements Gathering.pptx
@@ -5,7 +5,7 @@
     <p:sldMasterId id="2147483648" r:id="rId1"/>
   </p:sldMasterIdLst>
   <p:notesMasterIdLst>
-    <p:notesMasterId r:id="rId19"/>
+    <p:notesMasterId r:id="rId21"/>
   </p:notesMasterIdLst>
   <p:sldIdLst>
     <p:sldId id="485" r:id="rId2"/>
@@ -22,31 +22,33 @@
     <p:sldId id="495" r:id="rId13"/>
     <p:sldId id="528" r:id="rId14"/>
     <p:sldId id="527" r:id="rId15"/>
-    <p:sldId id="405" r:id="rId16"/>
-    <p:sldId id="497" r:id="rId17"/>
-    <p:sldId id="498" r:id="rId18"/>
+    <p:sldId id="529" r:id="rId16"/>
+    <p:sldId id="405" r:id="rId17"/>
+    <p:sldId id="497" r:id="rId18"/>
+    <p:sldId id="498" r:id="rId19"/>
+    <p:sldId id="355" r:id="rId20"/>
   </p:sldIdLst>
   <p:sldSz cx="12192000" cy="6858000"/>
   <p:notesSz cx="6858000" cy="9144000"/>
   <p:embeddedFontLst>
     <p:embeddedFont>
       <p:font typeface="Calibri" panose="020F0502020204030204" pitchFamily="34" charset="0"/>
-      <p:regular r:id="rId20"/>
-      <p:bold r:id="rId21"/>
-      <p:italic r:id="rId22"/>
-      <p:boldItalic r:id="rId23"/>
+      <p:regular r:id="rId22"/>
+      <p:bold r:id="rId23"/>
+      <p:italic r:id="rId24"/>
+      <p:boldItalic r:id="rId25"/>
     </p:embeddedFont>
     <p:embeddedFont>
       <p:font typeface="Calibri Light" panose="020F0302020204030204" pitchFamily="34" charset="0"/>
-      <p:regular r:id="rId24"/>
-      <p:italic r:id="rId25"/>
+      <p:regular r:id="rId26"/>
+      <p:italic r:id="rId27"/>
     </p:embeddedFont>
     <p:embeddedFont>
       <p:font typeface="Verdana" panose="020B0604030504040204" pitchFamily="34" charset="0"/>
-      <p:regular r:id="rId26"/>
-      <p:bold r:id="rId27"/>
-      <p:italic r:id="rId28"/>
-      <p:boldItalic r:id="rId29"/>
+      <p:regular r:id="rId28"/>
+      <p:bold r:id="rId29"/>
+      <p:italic r:id="rId30"/>
+      <p:boldItalic r:id="rId31"/>
     </p:embeddedFont>
   </p:embeddedFontLst>
   <p:defaultTextStyle>
@@ -163,9 +165,11 @@
             <p14:sldId id="495"/>
             <p14:sldId id="528"/>
             <p14:sldId id="527"/>
+            <p14:sldId id="529"/>
             <p14:sldId id="405"/>
             <p14:sldId id="497"/>
             <p14:sldId id="498"/>
+            <p14:sldId id="355"/>
           </p14:sldIdLst>
         </p14:section>
       </p14:sectionLst>
@@ -3665,7 +3669,7 @@
           <a:p>
             <a:fld id="{7C7E5181-6CF5-45F7-A87A-E0E0B1FD7549}" type="datetimeFigureOut">
               <a:rPr lang="en-US" smtClean="0"/>
-              <a:t>12/17/2022</a:t>
+              <a:t>12/25/2022</a:t>
             </a:fld>
             <a:endParaRPr lang="en-US"/>
           </a:p>
@@ -4617,187 +4621,18 @@
           <a:bodyPr/>
           <a:lstStyle/>
           <a:p>
-            <a:pPr marL="0" marR="0" lvl="0" indent="0" algn="l" defTabSz="914400" rtl="0" eaLnBrk="1" fontAlgn="auto" latinLnBrk="0" hangingPunct="1">
-              <a:lnSpc>
-                <a:spcPct val="100000"/>
-              </a:lnSpc>
-              <a:spcBef>
-                <a:spcPts val="0"/>
-              </a:spcBef>
-              <a:spcAft>
-                <a:spcPts val="0"/>
-              </a:spcAft>
-              <a:buClrTx/>
-              <a:buSzTx/>
-              <a:buFontTx/>
-              <a:buNone/>
-              <a:tabLst/>
-              <a:defRPr/>
-            </a:pPr>
-            <a:r>
-              <a:rPr lang="en-US" sz="3600" dirty="0"/>
-              <a:t>There are a number of important NF requirements to discuss. Here are some</a:t>
-            </a:r>
-          </a:p>
-          <a:p>
-            <a:pPr marL="0" marR="0" lvl="0" indent="0" algn="l" defTabSz="914400" rtl="0" eaLnBrk="1" fontAlgn="auto" latinLnBrk="0" hangingPunct="1">
-              <a:lnSpc>
-                <a:spcPct val="100000"/>
-              </a:lnSpc>
-              <a:spcBef>
-                <a:spcPts val="0"/>
-              </a:spcBef>
-              <a:spcAft>
-                <a:spcPts val="0"/>
-              </a:spcAft>
-              <a:buClrTx/>
-              <a:buSzTx/>
-              <a:buFontTx/>
-              <a:buNone/>
-              <a:tabLst/>
-              <a:defRPr/>
-            </a:pPr>
-            <a:r>
-              <a:rPr lang="en-US" sz="3600" dirty="0"/>
-              <a:t>Security — Does your product store or transmit sensitive information? Does your IT department require adherence to specific standards? What security best practices are used in your industry?</a:t>
-            </a:r>
-          </a:p>
-          <a:p>
-            <a:pPr marL="0" marR="0" lvl="0" indent="0" algn="l" defTabSz="914400" rtl="0" eaLnBrk="1" fontAlgn="auto" latinLnBrk="0" hangingPunct="1">
-              <a:lnSpc>
-                <a:spcPct val="100000"/>
-              </a:lnSpc>
-              <a:spcBef>
-                <a:spcPts val="0"/>
-              </a:spcBef>
-              <a:spcAft>
-                <a:spcPts val="0"/>
-              </a:spcAft>
-              <a:buClrTx/>
-              <a:buSzTx/>
-              <a:buFontTx/>
-              <a:buNone/>
-              <a:tabLst/>
-              <a:defRPr/>
-            </a:pPr>
-            <a:r>
-              <a:rPr lang="en-US" sz="3600" dirty="0"/>
-              <a:t>Capacity — What are your system’s storage requirements, today and in the future? How will your system scale up for increasing volume demands?</a:t>
-            </a:r>
-          </a:p>
-          <a:p>
-            <a:pPr marL="0" marR="0" lvl="0" indent="0" algn="l" defTabSz="914400" rtl="0" eaLnBrk="1" fontAlgn="auto" latinLnBrk="0" hangingPunct="1">
-              <a:lnSpc>
-                <a:spcPct val="100000"/>
-              </a:lnSpc>
-              <a:spcBef>
-                <a:spcPts val="0"/>
-              </a:spcBef>
-              <a:spcAft>
-                <a:spcPts val="0"/>
-              </a:spcAft>
-              <a:buClrTx/>
-              <a:buSzTx/>
-              <a:buFontTx/>
-              <a:buNone/>
-              <a:tabLst/>
-              <a:defRPr/>
-            </a:pPr>
-            <a:r>
-              <a:rPr lang="en-US" sz="3600" dirty="0"/>
-              <a:t>Compatibility — What are the minimum hardware requirements? What operating systems and their versions must be supported?</a:t>
-            </a:r>
-          </a:p>
-          <a:p>
-            <a:pPr marL="0" marR="0" lvl="0" indent="0" algn="l" defTabSz="914400" rtl="0" eaLnBrk="1" fontAlgn="auto" latinLnBrk="0" hangingPunct="1">
-              <a:lnSpc>
-                <a:spcPct val="100000"/>
-              </a:lnSpc>
-              <a:spcBef>
-                <a:spcPts val="0"/>
-              </a:spcBef>
-              <a:spcAft>
-                <a:spcPts val="0"/>
-              </a:spcAft>
-              <a:buClrTx/>
-              <a:buSzTx/>
-              <a:buFontTx/>
-              <a:buNone/>
-              <a:tabLst/>
-              <a:defRPr/>
-            </a:pPr>
-            <a:r>
-              <a:rPr lang="en-US" sz="3600" dirty="0"/>
-              <a:t>Reliability and Availability — What is the critical failure time under normal usage? Does a user need access to this all hours of every day?</a:t>
-            </a:r>
-          </a:p>
-          <a:p>
-            <a:pPr marL="0" marR="0" lvl="0" indent="0" algn="l" defTabSz="914400" rtl="0" eaLnBrk="1" fontAlgn="auto" latinLnBrk="0" hangingPunct="1">
-              <a:lnSpc>
-                <a:spcPct val="100000"/>
-              </a:lnSpc>
-              <a:spcBef>
-                <a:spcPts val="0"/>
-              </a:spcBef>
-              <a:spcAft>
-                <a:spcPts val="0"/>
-              </a:spcAft>
-              <a:buClrTx/>
-              <a:buSzTx/>
-              <a:buFontTx/>
-              <a:buNone/>
-              <a:tabLst/>
-              <a:defRPr/>
-            </a:pPr>
-            <a:r>
-              <a:rPr lang="en-US" sz="3600" dirty="0"/>
-              <a:t>Maintainability  + Manageability—How much time does it take to fix components, and how easily can an administrator manage the system? Under this umbrella, you could also define Recoverability and Serviceability.</a:t>
-            </a:r>
-          </a:p>
-          <a:p>
-            <a:pPr marL="0" marR="0" lvl="0" indent="0" algn="l" defTabSz="914400" rtl="0" eaLnBrk="1" fontAlgn="auto" latinLnBrk="0" hangingPunct="1">
-              <a:lnSpc>
-                <a:spcPct val="100000"/>
-              </a:lnSpc>
-              <a:spcBef>
-                <a:spcPts val="0"/>
-              </a:spcBef>
-              <a:spcAft>
-                <a:spcPts val="0"/>
-              </a:spcAft>
-              <a:buClrTx/>
-              <a:buSzTx/>
-              <a:buFontTx/>
-              <a:buNone/>
-              <a:tabLst/>
-              <a:defRPr/>
-            </a:pPr>
-            <a:r>
-              <a:rPr lang="en-US" sz="3600" dirty="0"/>
-              <a:t>Scalability – The Black Friday test. What are the highest workloads under which the system will still perform as expected?</a:t>
-            </a:r>
-          </a:p>
-          <a:p>
-            <a:pPr marL="0" marR="0" lvl="0" indent="0" algn="l" defTabSz="914400" rtl="0" eaLnBrk="1" fontAlgn="auto" latinLnBrk="0" hangingPunct="1">
-              <a:lnSpc>
-                <a:spcPct val="100000"/>
-              </a:lnSpc>
-              <a:spcBef>
-                <a:spcPts val="0"/>
-              </a:spcBef>
-              <a:spcAft>
-                <a:spcPts val="0"/>
-              </a:spcAft>
-              <a:buClrTx/>
-              <a:buSzTx/>
-              <a:buFontTx/>
-              <a:buNone/>
-              <a:tabLst/>
-              <a:defRPr/>
-            </a:pPr>
-            <a:r>
-              <a:rPr lang="en-US" sz="3600" dirty="0"/>
-              <a:t>Usability — How easy is it to use the product? What defines the experience of using the product?</a:t>
+            <a:r>
+              <a:rPr lang="en-US" dirty="0"/>
+              <a:t>User stories may be prioritized as Essential, Desirable or may just be for Extension.</a:t>
+            </a:r>
+          </a:p>
+          <a:p>
+            <a:endParaRPr lang="en-US" dirty="0"/>
+          </a:p>
+          <a:p>
+            <a:r>
+              <a:rPr lang="en-US" dirty="0"/>
+              <a:t>All essential user stories often make Minimum Viable product</a:t>
             </a:r>
           </a:p>
         </p:txBody>
@@ -4828,7 +4663,7 @@
     </p:spTree>
     <p:extLst>
       <p:ext uri="{BB962C8B-B14F-4D97-AF65-F5344CB8AC3E}">
-        <p14:creationId xmlns:p14="http://schemas.microsoft.com/office/powerpoint/2010/main" val="3623387796"/>
+        <p14:creationId xmlns:p14="http://schemas.microsoft.com/office/powerpoint/2010/main" val="2864211945"/>
       </p:ext>
     </p:extLst>
   </p:cSld>
@@ -4899,7 +4734,171 @@
               <a:tabLst/>
               <a:defRPr/>
             </a:pPr>
-            <a:endParaRPr lang="en-US" dirty="0"/>
+            <a:r>
+              <a:rPr lang="en-US" sz="3600" dirty="0"/>
+              <a:t>There are a number of important NF requirements to discuss. Here are some</a:t>
+            </a:r>
+          </a:p>
+          <a:p>
+            <a:pPr marL="0" marR="0" lvl="0" indent="0" algn="l" defTabSz="914400" rtl="0" eaLnBrk="1" fontAlgn="auto" latinLnBrk="0" hangingPunct="1">
+              <a:lnSpc>
+                <a:spcPct val="100000"/>
+              </a:lnSpc>
+              <a:spcBef>
+                <a:spcPts val="0"/>
+              </a:spcBef>
+              <a:spcAft>
+                <a:spcPts val="0"/>
+              </a:spcAft>
+              <a:buClrTx/>
+              <a:buSzTx/>
+              <a:buFontTx/>
+              <a:buNone/>
+              <a:tabLst/>
+              <a:defRPr/>
+            </a:pPr>
+            <a:r>
+              <a:rPr lang="en-US" sz="3600" dirty="0"/>
+              <a:t>Security — Does your product store or transmit sensitive information? Does your IT department require adherence to specific standards? What security best practices are used in your industry?</a:t>
+            </a:r>
+          </a:p>
+          <a:p>
+            <a:pPr marL="0" marR="0" lvl="0" indent="0" algn="l" defTabSz="914400" rtl="0" eaLnBrk="1" fontAlgn="auto" latinLnBrk="0" hangingPunct="1">
+              <a:lnSpc>
+                <a:spcPct val="100000"/>
+              </a:lnSpc>
+              <a:spcBef>
+                <a:spcPts val="0"/>
+              </a:spcBef>
+              <a:spcAft>
+                <a:spcPts val="0"/>
+              </a:spcAft>
+              <a:buClrTx/>
+              <a:buSzTx/>
+              <a:buFontTx/>
+              <a:buNone/>
+              <a:tabLst/>
+              <a:defRPr/>
+            </a:pPr>
+            <a:r>
+              <a:rPr lang="en-US" sz="3600" dirty="0"/>
+              <a:t>Capacity — What are your system’s storage requirements, today and in the future? How will your system scale up for increasing volume demands?</a:t>
+            </a:r>
+          </a:p>
+          <a:p>
+            <a:pPr marL="0" marR="0" lvl="0" indent="0" algn="l" defTabSz="914400" rtl="0" eaLnBrk="1" fontAlgn="auto" latinLnBrk="0" hangingPunct="1">
+              <a:lnSpc>
+                <a:spcPct val="100000"/>
+              </a:lnSpc>
+              <a:spcBef>
+                <a:spcPts val="0"/>
+              </a:spcBef>
+              <a:spcAft>
+                <a:spcPts val="0"/>
+              </a:spcAft>
+              <a:buClrTx/>
+              <a:buSzTx/>
+              <a:buFontTx/>
+              <a:buNone/>
+              <a:tabLst/>
+              <a:defRPr/>
+            </a:pPr>
+            <a:r>
+              <a:rPr lang="en-US" sz="3600" dirty="0"/>
+              <a:t>Compatibility — What are the minimum hardware requirements? What operating systems and their versions must be supported?</a:t>
+            </a:r>
+          </a:p>
+          <a:p>
+            <a:pPr marL="0" marR="0" lvl="0" indent="0" algn="l" defTabSz="914400" rtl="0" eaLnBrk="1" fontAlgn="auto" latinLnBrk="0" hangingPunct="1">
+              <a:lnSpc>
+                <a:spcPct val="100000"/>
+              </a:lnSpc>
+              <a:spcBef>
+                <a:spcPts val="0"/>
+              </a:spcBef>
+              <a:spcAft>
+                <a:spcPts val="0"/>
+              </a:spcAft>
+              <a:buClrTx/>
+              <a:buSzTx/>
+              <a:buFontTx/>
+              <a:buNone/>
+              <a:tabLst/>
+              <a:defRPr/>
+            </a:pPr>
+            <a:r>
+              <a:rPr lang="en-US" sz="3600" dirty="0"/>
+              <a:t>Reliability and Availability — What is the critical failure time under normal usage? Does a user need access to this all hours of every day?</a:t>
+            </a:r>
+          </a:p>
+          <a:p>
+            <a:pPr marL="0" marR="0" lvl="0" indent="0" algn="l" defTabSz="914400" rtl="0" eaLnBrk="1" fontAlgn="auto" latinLnBrk="0" hangingPunct="1">
+              <a:lnSpc>
+                <a:spcPct val="100000"/>
+              </a:lnSpc>
+              <a:spcBef>
+                <a:spcPts val="0"/>
+              </a:spcBef>
+              <a:spcAft>
+                <a:spcPts val="0"/>
+              </a:spcAft>
+              <a:buClrTx/>
+              <a:buSzTx/>
+              <a:buFontTx/>
+              <a:buNone/>
+              <a:tabLst/>
+              <a:defRPr/>
+            </a:pPr>
+            <a:r>
+              <a:rPr lang="en-US" sz="3600" dirty="0"/>
+              <a:t>Maintainability  + Manageability—How much time does it take to fix components, and how easily can an administrator manage the system? Under this umbrella, you could also define Recoverability and Serviceability.</a:t>
+            </a:r>
+          </a:p>
+          <a:p>
+            <a:pPr marL="0" marR="0" lvl="0" indent="0" algn="l" defTabSz="914400" rtl="0" eaLnBrk="1" fontAlgn="auto" latinLnBrk="0" hangingPunct="1">
+              <a:lnSpc>
+                <a:spcPct val="100000"/>
+              </a:lnSpc>
+              <a:spcBef>
+                <a:spcPts val="0"/>
+              </a:spcBef>
+              <a:spcAft>
+                <a:spcPts val="0"/>
+              </a:spcAft>
+              <a:buClrTx/>
+              <a:buSzTx/>
+              <a:buFontTx/>
+              <a:buNone/>
+              <a:tabLst/>
+              <a:defRPr/>
+            </a:pPr>
+            <a:r>
+              <a:rPr lang="en-US" sz="3600" dirty="0"/>
+              <a:t>Scalability – The Black Friday test. What are the highest workloads under which the system will still perform as expected?</a:t>
+            </a:r>
+          </a:p>
+          <a:p>
+            <a:pPr marL="0" marR="0" lvl="0" indent="0" algn="l" defTabSz="914400" rtl="0" eaLnBrk="1" fontAlgn="auto" latinLnBrk="0" hangingPunct="1">
+              <a:lnSpc>
+                <a:spcPct val="100000"/>
+              </a:lnSpc>
+              <a:spcBef>
+                <a:spcPts val="0"/>
+              </a:spcBef>
+              <a:spcAft>
+                <a:spcPts val="0"/>
+              </a:spcAft>
+              <a:buClrTx/>
+              <a:buSzTx/>
+              <a:buFontTx/>
+              <a:buNone/>
+              <a:tabLst/>
+              <a:defRPr/>
+            </a:pPr>
+            <a:r>
+              <a:rPr lang="en-US" sz="3600" dirty="0"/>
+              <a:t>Usability — How easy is it to use the product? What defines the experience of using the product?</a:t>
+            </a:r>
           </a:p>
         </p:txBody>
       </p:sp>
@@ -4929,7 +4928,7 @@
     </p:spTree>
     <p:extLst>
       <p:ext uri="{BB962C8B-B14F-4D97-AF65-F5344CB8AC3E}">
-        <p14:creationId xmlns:p14="http://schemas.microsoft.com/office/powerpoint/2010/main" val="346195192"/>
+        <p14:creationId xmlns:p14="http://schemas.microsoft.com/office/powerpoint/2010/main" val="3623387796"/>
       </p:ext>
     </p:extLst>
   </p:cSld>
@@ -4983,10 +4982,24 @@
           <a:bodyPr/>
           <a:lstStyle/>
           <a:p>
-            <a:r>
-              <a:rPr lang="en-US" dirty="0"/>
-              <a:t>&lt;read slide&gt;</a:t>
-            </a:r>
+            <a:pPr marL="0" marR="0" lvl="0" indent="0" algn="l" defTabSz="914400" rtl="0" eaLnBrk="1" fontAlgn="auto" latinLnBrk="0" hangingPunct="1">
+              <a:lnSpc>
+                <a:spcPct val="100000"/>
+              </a:lnSpc>
+              <a:spcBef>
+                <a:spcPts val="0"/>
+              </a:spcBef>
+              <a:spcAft>
+                <a:spcPts val="0"/>
+              </a:spcAft>
+              <a:buClrTx/>
+              <a:buSzTx/>
+              <a:buFontTx/>
+              <a:buNone/>
+              <a:tabLst/>
+              <a:defRPr/>
+            </a:pPr>
+            <a:endParaRPr lang="en-US" dirty="0"/>
           </a:p>
         </p:txBody>
       </p:sp>
@@ -5016,7 +5029,186 @@
     </p:spTree>
     <p:extLst>
       <p:ext uri="{BB962C8B-B14F-4D97-AF65-F5344CB8AC3E}">
+        <p14:creationId xmlns:p14="http://schemas.microsoft.com/office/powerpoint/2010/main" val="346195192"/>
+      </p:ext>
+    </p:extLst>
+  </p:cSld>
+  <p:clrMapOvr>
+    <a:masterClrMapping/>
+  </p:clrMapOvr>
+</p:notes>
+</file>
+
+<file path=ppt/notesSlides/notesSlide16.xml><?xml version="1.0" encoding="utf-8"?>
+<p:notes xmlns:a="http://schemas.openxmlformats.org/drawingml/2006/main" xmlns:r="http://schemas.openxmlformats.org/officeDocument/2006/relationships" xmlns:p="http://schemas.openxmlformats.org/presentationml/2006/main">
+  <p:cSld>
+    <p:spTree>
+      <p:nvGrpSpPr>
+        <p:cNvPr id="1" name=""/>
+        <p:cNvGrpSpPr/>
+        <p:nvPr/>
+      </p:nvGrpSpPr>
+      <p:grpSpPr>
+        <a:xfrm>
+          <a:off x="0" y="0"/>
+          <a:ext cx="0" cy="0"/>
+          <a:chOff x="0" y="0"/>
+          <a:chExt cx="0" cy="0"/>
+        </a:xfrm>
+      </p:grpSpPr>
+      <p:sp>
+        <p:nvSpPr>
+          <p:cNvPr id="2" name="Slide Image Placeholder 1"/>
+          <p:cNvSpPr>
+            <a:spLocks noGrp="1" noRot="1" noChangeAspect="1"/>
+          </p:cNvSpPr>
+          <p:nvPr>
+            <p:ph type="sldImg"/>
+          </p:nvPr>
+        </p:nvSpPr>
+        <p:spPr/>
+      </p:sp>
+      <p:sp>
+        <p:nvSpPr>
+          <p:cNvPr id="3" name="Notes Placeholder 2"/>
+          <p:cNvSpPr>
+            <a:spLocks noGrp="1"/>
+          </p:cNvSpPr>
+          <p:nvPr>
+            <p:ph type="body" idx="1"/>
+          </p:nvPr>
+        </p:nvSpPr>
+        <p:spPr/>
+        <p:txBody>
+          <a:bodyPr/>
+          <a:lstStyle/>
+          <a:p>
+            <a:r>
+              <a:rPr lang="en-US" dirty="0"/>
+              <a:t>&lt;read slide&gt;</a:t>
+            </a:r>
+          </a:p>
+        </p:txBody>
+      </p:sp>
+      <p:sp>
+        <p:nvSpPr>
+          <p:cNvPr id="4" name="Slide Number Placeholder 3"/>
+          <p:cNvSpPr>
+            <a:spLocks noGrp="1"/>
+          </p:cNvSpPr>
+          <p:nvPr>
+            <p:ph type="sldNum" sz="quarter" idx="5"/>
+          </p:nvPr>
+        </p:nvSpPr>
+        <p:spPr/>
+        <p:txBody>
+          <a:bodyPr/>
+          <a:lstStyle/>
+          <a:p>
+            <a:fld id="{07937F07-1250-4CCE-B198-1B2887014F41}" type="slidenum">
+              <a:rPr lang="en-US" smtClean="0"/>
+              <a:t>18</a:t>
+            </a:fld>
+            <a:endParaRPr lang="en-US"/>
+          </a:p>
+        </p:txBody>
+      </p:sp>
+    </p:spTree>
+    <p:extLst>
+      <p:ext uri="{BB962C8B-B14F-4D97-AF65-F5344CB8AC3E}">
         <p14:creationId xmlns:p14="http://schemas.microsoft.com/office/powerpoint/2010/main" val="1604120877"/>
+      </p:ext>
+    </p:extLst>
+  </p:cSld>
+  <p:clrMapOvr>
+    <a:masterClrMapping/>
+  </p:clrMapOvr>
+</p:notes>
+</file>
+
+<file path=ppt/notesSlides/notesSlide17.xml><?xml version="1.0" encoding="utf-8"?>
+<p:notes xmlns:a="http://schemas.openxmlformats.org/drawingml/2006/main" xmlns:r="http://schemas.openxmlformats.org/officeDocument/2006/relationships" xmlns:p="http://schemas.openxmlformats.org/presentationml/2006/main">
+  <p:cSld>
+    <p:spTree>
+      <p:nvGrpSpPr>
+        <p:cNvPr id="1" name=""/>
+        <p:cNvGrpSpPr/>
+        <p:nvPr/>
+      </p:nvGrpSpPr>
+      <p:grpSpPr>
+        <a:xfrm>
+          <a:off x="0" y="0"/>
+          <a:ext cx="0" cy="0"/>
+          <a:chOff x="0" y="0"/>
+          <a:chExt cx="0" cy="0"/>
+        </a:xfrm>
+      </p:grpSpPr>
+      <p:sp>
+        <p:nvSpPr>
+          <p:cNvPr id="2" name="Slide Image Placeholder 1"/>
+          <p:cNvSpPr>
+            <a:spLocks noGrp="1" noRot="1" noChangeAspect="1"/>
+          </p:cNvSpPr>
+          <p:nvPr>
+            <p:ph type="sldImg"/>
+          </p:nvPr>
+        </p:nvSpPr>
+        <p:spPr/>
+      </p:sp>
+      <p:sp>
+        <p:nvSpPr>
+          <p:cNvPr id="3" name="Notes Placeholder 2"/>
+          <p:cNvSpPr>
+            <a:spLocks noGrp="1"/>
+          </p:cNvSpPr>
+          <p:nvPr>
+            <p:ph type="body" idx="1"/>
+          </p:nvPr>
+        </p:nvSpPr>
+        <p:spPr/>
+        <p:txBody>
+          <a:bodyPr/>
+          <a:lstStyle/>
+          <a:p>
+            <a:endParaRPr lang="en-US" sz="1200" b="0" i="0" u="none" strike="noStrike" kern="1200" dirty="0">
+              <a:solidFill>
+                <a:schemeClr val="tx1"/>
+              </a:solidFill>
+              <a:effectLst/>
+              <a:latin typeface="+mn-lt"/>
+              <a:ea typeface="+mn-ea"/>
+              <a:cs typeface="+mn-cs"/>
+            </a:endParaRPr>
+          </a:p>
+        </p:txBody>
+      </p:sp>
+      <p:sp>
+        <p:nvSpPr>
+          <p:cNvPr id="4" name="Slide Number Placeholder 3"/>
+          <p:cNvSpPr>
+            <a:spLocks noGrp="1"/>
+          </p:cNvSpPr>
+          <p:nvPr>
+            <p:ph type="sldNum" sz="quarter" idx="5"/>
+          </p:nvPr>
+        </p:nvSpPr>
+        <p:spPr/>
+        <p:txBody>
+          <a:bodyPr/>
+          <a:lstStyle/>
+          <a:p>
+            <a:fld id="{07937F07-1250-4CCE-B198-1B2887014F41}" type="slidenum">
+              <a:rPr lang="en-US" smtClean="0"/>
+              <a:t>19</a:t>
+            </a:fld>
+            <a:endParaRPr lang="en-US"/>
+          </a:p>
+        </p:txBody>
+      </p:sp>
+    </p:spTree>
+    <p:extLst>
+      <p:ext uri="{BB962C8B-B14F-4D97-AF65-F5344CB8AC3E}">
+        <p14:creationId xmlns:p14="http://schemas.microsoft.com/office/powerpoint/2010/main" val="3002489578"/>
       </p:ext>
     </p:extLst>
   </p:cSld>
@@ -6558,7 +6750,7 @@
           <a:p>
             <a:fld id="{5D2A64DE-480B-420F-9649-4F8E696E08E0}" type="datetime1">
               <a:rPr lang="en-US" smtClean="0"/>
-              <a:t>12/17/2022</a:t>
+              <a:t>12/25/2022</a:t>
             </a:fld>
             <a:endParaRPr lang="en-US"/>
           </a:p>
@@ -6882,7 +7074,7 @@
           <a:p>
             <a:fld id="{EA476A42-A091-4468-A075-64A31BE59948}" type="datetime1">
               <a:rPr lang="en-US" smtClean="0"/>
-              <a:t>12/17/2022</a:t>
+              <a:t>12/25/2022</a:t>
             </a:fld>
             <a:endParaRPr lang="en-US"/>
           </a:p>
@@ -7080,7 +7272,7 @@
           <a:p>
             <a:fld id="{0D3616D0-8311-4107-9726-6B805E7D05BA}" type="datetime1">
               <a:rPr lang="en-US" smtClean="0"/>
-              <a:t>12/17/2022</a:t>
+              <a:t>12/25/2022</a:t>
             </a:fld>
             <a:endParaRPr lang="en-US"/>
           </a:p>
@@ -7288,7 +7480,7 @@
           <a:p>
             <a:fld id="{3BC2557A-5C88-417A-A763-5AC779462A5F}" type="datetime1">
               <a:rPr lang="en-US" smtClean="0"/>
-              <a:t>12/17/2022</a:t>
+              <a:t>12/25/2022</a:t>
             </a:fld>
             <a:endParaRPr lang="en-US"/>
           </a:p>
@@ -7812,7 +8004,7 @@
           <a:p>
             <a:fld id="{07C7BFD4-467E-4EDE-93EA-052F5B39A4E5}" type="datetime1">
               <a:rPr lang="en-US" smtClean="0"/>
-              <a:t>12/17/2022</a:t>
+              <a:t>12/25/2022</a:t>
             </a:fld>
             <a:endParaRPr lang="en-US"/>
           </a:p>
@@ -8062,7 +8254,7 @@
           <a:p>
             <a:fld id="{07C7BFD4-467E-4EDE-93EA-052F5B39A4E5}" type="datetime1">
               <a:rPr lang="en-US" smtClean="0"/>
-              <a:t>12/17/2022</a:t>
+              <a:t>12/25/2022</a:t>
             </a:fld>
             <a:endParaRPr lang="en-US"/>
           </a:p>
@@ -8244,7 +8436,7 @@
           <a:p>
             <a:fld id="{109E55A0-C911-4F03-82FC-7E5926047D46}" type="datetime1">
               <a:rPr lang="en-US" smtClean="0"/>
-              <a:t>12/17/2022</a:t>
+              <a:t>12/25/2022</a:t>
             </a:fld>
             <a:endParaRPr lang="en-US"/>
           </a:p>
@@ -8557,7 +8749,7 @@
           <a:p>
             <a:fld id="{A533CBE2-D5BE-47AC-ADC2-9CDFC1D0CF90}" type="datetime1">
               <a:rPr lang="en-US" smtClean="0"/>
-              <a:t>12/17/2022</a:t>
+              <a:t>12/25/2022</a:t>
             </a:fld>
             <a:endParaRPr lang="en-US"/>
           </a:p>
@@ -8858,7 +9050,7 @@
           <a:p>
             <a:fld id="{39B7EDB1-CE74-4951-85A2-0B01C2128E28}" type="datetime1">
               <a:rPr lang="en-US" smtClean="0"/>
-              <a:t>12/17/2022</a:t>
+              <a:t>12/25/2022</a:t>
             </a:fld>
             <a:endParaRPr lang="en-US"/>
           </a:p>
@@ -9306,7 +9498,7 @@
           <a:p>
             <a:fld id="{2BC7EB92-A5C2-4807-A9DC-9EDE6CBFB241}" type="datetime1">
               <a:rPr lang="en-US" smtClean="0"/>
-              <a:t>12/17/2022</a:t>
+              <a:t>12/25/2022</a:t>
             </a:fld>
             <a:endParaRPr lang="en-US"/>
           </a:p>
@@ -9419,7 +9611,7 @@
           <a:p>
             <a:fld id="{2B7B7EE0-7771-4CD5-9B2B-3550753A54A1}" type="datetime1">
               <a:rPr lang="en-US" smtClean="0"/>
-              <a:t>12/17/2022</a:t>
+              <a:t>12/25/2022</a:t>
             </a:fld>
             <a:endParaRPr lang="en-US"/>
           </a:p>
@@ -9730,7 +9922,7 @@
           <a:p>
             <a:fld id="{F8B318B3-0E87-4416-A9B8-D891968C2727}" type="datetime1">
               <a:rPr lang="en-US" smtClean="0"/>
-              <a:t>12/17/2022</a:t>
+              <a:t>12/25/2022</a:t>
             </a:fld>
             <a:endParaRPr lang="en-US"/>
           </a:p>
@@ -9971,7 +10163,7 @@
           <a:p>
             <a:fld id="{54D997E8-DDEE-43F1-8D9B-F8A1E11DE488}" type="datetime1">
               <a:rPr lang="en-US" smtClean="0"/>
-              <a:t>12/17/2022</a:t>
+              <a:t>12/25/2022</a:t>
             </a:fld>
             <a:endParaRPr lang="en-US"/>
           </a:p>
@@ -12277,7 +12469,7 @@
           <p:cNvPr id="2" name="Title 1">
             <a:extLst>
               <a:ext uri="{FF2B5EF4-FFF2-40B4-BE49-F238E27FC236}">
-                <a16:creationId xmlns:a16="http://schemas.microsoft.com/office/drawing/2014/main" id="{16F86D58-152F-496B-BA81-FDA5B100832A}"/>
+                <a16:creationId xmlns:a16="http://schemas.microsoft.com/office/drawing/2014/main" id="{F23E412C-C21C-9A47-9132-9BC666325FD4}"/>
               </a:ext>
             </a:extLst>
           </p:cNvPr>
@@ -12289,23 +12481,95 @@
           </p:nvPr>
         </p:nvSpPr>
         <p:spPr/>
+        <p:txBody>
+          <a:bodyPr>
+            <a:normAutofit/>
+          </a:bodyPr>
+          <a:lstStyle/>
+          <a:p>
+            <a:r>
+              <a:rPr lang="en-US" sz="3600" dirty="0"/>
+              <a:t>User Stories may be Prioritized</a:t>
+            </a:r>
+          </a:p>
+        </p:txBody>
+      </p:sp>
+      <p:sp>
+        <p:nvSpPr>
+          <p:cNvPr id="3" name="Content Placeholder 2">
+            <a:extLst>
+              <a:ext uri="{FF2B5EF4-FFF2-40B4-BE49-F238E27FC236}">
+                <a16:creationId xmlns:a16="http://schemas.microsoft.com/office/drawing/2014/main" id="{11941FC8-FFC2-1F49-A3A9-4CFFD656BF92}"/>
+              </a:ext>
+            </a:extLst>
+          </p:cNvPr>
+          <p:cNvSpPr>
+            <a:spLocks noGrp="1"/>
+          </p:cNvSpPr>
+          <p:nvPr>
+            <p:ph sz="half" idx="1"/>
+          </p:nvPr>
+        </p:nvSpPr>
+        <p:spPr>
+          <a:xfrm>
+            <a:off x="838200" y="1825625"/>
+            <a:ext cx="10515600" cy="4124799"/>
+          </a:xfrm>
+        </p:spPr>
         <p:txBody>
           <a:bodyPr/>
           <a:lstStyle/>
           <a:p>
             <a:r>
+              <a:rPr lang="en-US" b="1" dirty="0"/>
+              <a:t>Essential</a:t>
+            </a:r>
+            <a:r>
               <a:rPr lang="en-US" dirty="0"/>
-              <a:t>Non-Functional Requirements:</a:t>
-            </a:r>
-          </a:p>
-        </p:txBody>
-      </p:sp>
-      <p:sp>
-        <p:nvSpPr>
-          <p:cNvPr id="4" name="Slide Number Placeholder 3">
+              <a:t> means the project is useless without it.</a:t>
+            </a:r>
+          </a:p>
+          <a:p>
+            <a:r>
+              <a:rPr lang="en-US" b="1" dirty="0"/>
+              <a:t>Desirable</a:t>
+            </a:r>
+            <a:r>
+              <a:rPr lang="en-US" dirty="0"/>
+              <a:t> means the project is less usable without it, but is still usable.</a:t>
+            </a:r>
+          </a:p>
+          <a:p>
+            <a:r>
+              <a:rPr lang="en-US" b="1" dirty="0"/>
+              <a:t>Extension</a:t>
+            </a:r>
+            <a:r>
+              <a:rPr lang="en-US" dirty="0"/>
+              <a:t> describes a User story or COS that is desirable, but may not be achievable within the scope of the project.</a:t>
+            </a:r>
+          </a:p>
+          <a:p>
+            <a:endParaRPr lang="en-US" dirty="0"/>
+          </a:p>
+          <a:p>
+            <a:r>
+              <a:rPr lang="en-US" b="1" dirty="0"/>
+              <a:t>Minimum Viable Product </a:t>
+            </a:r>
+            <a:r>
+              <a:rPr lang="en-US" dirty="0"/>
+              <a:t>(MVP) </a:t>
+            </a:r>
+          </a:p>
+        </p:txBody>
+      </p:sp>
+      <p:sp>
+        <p:nvSpPr>
+          <p:cNvPr id="5" name="Slide Number Placeholder 4">
             <a:extLst>
               <a:ext uri="{FF2B5EF4-FFF2-40B4-BE49-F238E27FC236}">
-                <a16:creationId xmlns:a16="http://schemas.microsoft.com/office/drawing/2014/main" id="{C7C3DEB3-F948-4B7E-8BDA-FB7ABCF7A993}"/>
+                <a16:creationId xmlns:a16="http://schemas.microsoft.com/office/drawing/2014/main" id="{265C9ABC-1744-7548-B688-830A5F2FD5A0}"/>
               </a:ext>
             </a:extLst>
           </p:cNvPr>
@@ -12331,73 +12595,215 @@
       </p:sp>
       <p:sp>
         <p:nvSpPr>
-          <p:cNvPr id="9" name="Content Placeholder 2">
+          <p:cNvPr id="4" name="Content Placeholder 2">
             <a:extLst>
               <a:ext uri="{FF2B5EF4-FFF2-40B4-BE49-F238E27FC236}">
-                <a16:creationId xmlns:a16="http://schemas.microsoft.com/office/drawing/2014/main" id="{154B344C-9133-E9C8-0056-74943F854D75}"/>
+                <a16:creationId xmlns:a16="http://schemas.microsoft.com/office/drawing/2014/main" id="{40D83974-BD4B-D25A-2986-487EE7B0D178}"/>
               </a:ext>
             </a:extLst>
           </p:cNvPr>
-          <p:cNvSpPr>
-            <a:spLocks noGrp="1"/>
-          </p:cNvSpPr>
-          <p:nvPr>
-            <p:ph idx="1"/>
-          </p:nvPr>
+          <p:cNvSpPr txBox="1">
+            <a:spLocks/>
+          </p:cNvSpPr>
+          <p:nvPr/>
         </p:nvSpPr>
         <p:spPr>
           <a:xfrm>
-            <a:off x="838200" y="1500188"/>
-            <a:ext cx="9521142" cy="4351337"/>
+            <a:off x="3840708" y="5685988"/>
+            <a:ext cx="7887346" cy="528871"/>
           </a:xfrm>
+          <a:prstGeom prst="rect">
+            <a:avLst/>
+          </a:prstGeom>
         </p:spPr>
         <p:txBody>
-          <a:bodyPr/>
-          <a:lstStyle/>
+          <a:bodyPr vert="horz" lIns="91440" tIns="45720" rIns="91440" bIns="45720" rtlCol="0">
+            <a:normAutofit/>
+          </a:bodyPr>
+          <a:lstStyle>
+            <a:lvl1pPr marL="228600" indent="-228600" algn="l" defTabSz="914400" rtl="0" eaLnBrk="1" latinLnBrk="0" hangingPunct="1">
+              <a:lnSpc>
+                <a:spcPct val="90000"/>
+              </a:lnSpc>
+              <a:spcBef>
+                <a:spcPts val="1000"/>
+              </a:spcBef>
+              <a:buFont typeface="Arial" panose="020B0604020202020204" pitchFamily="34" charset="0"/>
+              <a:buChar char="•"/>
+              <a:defRPr sz="2800" kern="1200">
+                <a:solidFill>
+                  <a:schemeClr val="tx1"/>
+                </a:solidFill>
+                <a:latin typeface="+mn-lt"/>
+                <a:ea typeface="+mn-ea"/>
+                <a:cs typeface="+mn-cs"/>
+              </a:defRPr>
+            </a:lvl1pPr>
+            <a:lvl2pPr marL="685800" indent="-228600" algn="l" defTabSz="914400" rtl="0" eaLnBrk="1" latinLnBrk="0" hangingPunct="1">
+              <a:lnSpc>
+                <a:spcPct val="90000"/>
+              </a:lnSpc>
+              <a:spcBef>
+                <a:spcPts val="500"/>
+              </a:spcBef>
+              <a:buFont typeface="Arial" panose="020B0604020202020204" pitchFamily="34" charset="0"/>
+              <a:buChar char="•"/>
+              <a:defRPr sz="2400" kern="1200">
+                <a:solidFill>
+                  <a:schemeClr val="tx1"/>
+                </a:solidFill>
+                <a:latin typeface="+mn-lt"/>
+                <a:ea typeface="+mn-ea"/>
+                <a:cs typeface="+mn-cs"/>
+              </a:defRPr>
+            </a:lvl2pPr>
+            <a:lvl3pPr marL="1143000" indent="-228600" algn="l" defTabSz="914400" rtl="0" eaLnBrk="1" latinLnBrk="0" hangingPunct="1">
+              <a:lnSpc>
+                <a:spcPct val="90000"/>
+              </a:lnSpc>
+              <a:spcBef>
+                <a:spcPts val="500"/>
+              </a:spcBef>
+              <a:buFont typeface="Arial" panose="020B0604020202020204" pitchFamily="34" charset="0"/>
+              <a:buChar char="•"/>
+              <a:defRPr sz="2000" kern="1200">
+                <a:solidFill>
+                  <a:schemeClr val="tx1"/>
+                </a:solidFill>
+                <a:latin typeface="+mn-lt"/>
+                <a:ea typeface="+mn-ea"/>
+                <a:cs typeface="+mn-cs"/>
+              </a:defRPr>
+            </a:lvl3pPr>
+            <a:lvl4pPr marL="1600200" indent="-228600" algn="l" defTabSz="914400" rtl="0" eaLnBrk="1" latinLnBrk="0" hangingPunct="1">
+              <a:lnSpc>
+                <a:spcPct val="90000"/>
+              </a:lnSpc>
+              <a:spcBef>
+                <a:spcPts val="500"/>
+              </a:spcBef>
+              <a:buFont typeface="Arial" panose="020B0604020202020204" pitchFamily="34" charset="0"/>
+              <a:buChar char="•"/>
+              <a:defRPr sz="1800" kern="1200">
+                <a:solidFill>
+                  <a:schemeClr val="tx1"/>
+                </a:solidFill>
+                <a:latin typeface="+mn-lt"/>
+                <a:ea typeface="+mn-ea"/>
+                <a:cs typeface="+mn-cs"/>
+              </a:defRPr>
+            </a:lvl4pPr>
+            <a:lvl5pPr marL="2057400" indent="-228600" algn="l" defTabSz="914400" rtl="0" eaLnBrk="1" latinLnBrk="0" hangingPunct="1">
+              <a:lnSpc>
+                <a:spcPct val="90000"/>
+              </a:lnSpc>
+              <a:spcBef>
+                <a:spcPts val="500"/>
+              </a:spcBef>
+              <a:buFont typeface="Arial" panose="020B0604020202020204" pitchFamily="34" charset="0"/>
+              <a:buChar char="•"/>
+              <a:defRPr sz="1800" kern="1200">
+                <a:solidFill>
+                  <a:schemeClr val="tx1"/>
+                </a:solidFill>
+                <a:latin typeface="+mn-lt"/>
+                <a:ea typeface="+mn-ea"/>
+                <a:cs typeface="+mn-cs"/>
+              </a:defRPr>
+            </a:lvl5pPr>
+            <a:lvl6pPr marL="2514600" indent="-228600" algn="l" defTabSz="914400" rtl="0" eaLnBrk="1" latinLnBrk="0" hangingPunct="1">
+              <a:lnSpc>
+                <a:spcPct val="90000"/>
+              </a:lnSpc>
+              <a:spcBef>
+                <a:spcPts val="500"/>
+              </a:spcBef>
+              <a:buFont typeface="Arial" panose="020B0604020202020204" pitchFamily="34" charset="0"/>
+              <a:buChar char="•"/>
+              <a:defRPr sz="1800" kern="1200">
+                <a:solidFill>
+                  <a:schemeClr val="tx1"/>
+                </a:solidFill>
+                <a:latin typeface="+mn-lt"/>
+                <a:ea typeface="+mn-ea"/>
+                <a:cs typeface="+mn-cs"/>
+              </a:defRPr>
+            </a:lvl6pPr>
+            <a:lvl7pPr marL="2971800" indent="-228600" algn="l" defTabSz="914400" rtl="0" eaLnBrk="1" latinLnBrk="0" hangingPunct="1">
+              <a:lnSpc>
+                <a:spcPct val="90000"/>
+              </a:lnSpc>
+              <a:spcBef>
+                <a:spcPts val="500"/>
+              </a:spcBef>
+              <a:buFont typeface="Arial" panose="020B0604020202020204" pitchFamily="34" charset="0"/>
+              <a:buChar char="•"/>
+              <a:defRPr sz="1800" kern="1200">
+                <a:solidFill>
+                  <a:schemeClr val="tx1"/>
+                </a:solidFill>
+                <a:latin typeface="+mn-lt"/>
+                <a:ea typeface="+mn-ea"/>
+                <a:cs typeface="+mn-cs"/>
+              </a:defRPr>
+            </a:lvl7pPr>
+            <a:lvl8pPr marL="3429000" indent="-228600" algn="l" defTabSz="914400" rtl="0" eaLnBrk="1" latinLnBrk="0" hangingPunct="1">
+              <a:lnSpc>
+                <a:spcPct val="90000"/>
+              </a:lnSpc>
+              <a:spcBef>
+                <a:spcPts val="500"/>
+              </a:spcBef>
+              <a:buFont typeface="Arial" panose="020B0604020202020204" pitchFamily="34" charset="0"/>
+              <a:buChar char="•"/>
+              <a:defRPr sz="1800" kern="1200">
+                <a:solidFill>
+                  <a:schemeClr val="tx1"/>
+                </a:solidFill>
+                <a:latin typeface="+mn-lt"/>
+                <a:ea typeface="+mn-ea"/>
+                <a:cs typeface="+mn-cs"/>
+              </a:defRPr>
+            </a:lvl8pPr>
+            <a:lvl9pPr marL="3886200" indent="-228600" algn="l" defTabSz="914400" rtl="0" eaLnBrk="1" latinLnBrk="0" hangingPunct="1">
+              <a:lnSpc>
+                <a:spcPct val="90000"/>
+              </a:lnSpc>
+              <a:spcBef>
+                <a:spcPts val="500"/>
+              </a:spcBef>
+              <a:buFont typeface="Arial" panose="020B0604020202020204" pitchFamily="34" charset="0"/>
+              <a:buChar char="•"/>
+              <a:defRPr sz="1800" kern="1200">
+                <a:solidFill>
+                  <a:schemeClr val="tx1"/>
+                </a:solidFill>
+                <a:latin typeface="+mn-lt"/>
+                <a:ea typeface="+mn-ea"/>
+                <a:cs typeface="+mn-cs"/>
+              </a:defRPr>
+            </a:lvl9pPr>
+          </a:lstStyle>
           <a:p>
             <a:r>
               <a:rPr lang="en-US" dirty="0"/>
-              <a:t>What other properties might a customer want to know about </a:t>
-            </a:r>
-            <a:r>
-              <a:rPr lang="en-US"/>
-              <a:t>the product?</a:t>
-            </a:r>
-            <a:endParaRPr lang="en-US" dirty="0"/>
-          </a:p>
-          <a:p>
-            <a:pPr lvl="1"/>
+              <a:t>A brief </a:t>
+            </a:r>
+            <a:r>
+              <a:rPr lang="en-US" b="1" i="1" dirty="0">
+                <a:solidFill>
+                  <a:srgbClr val="FF0000"/>
+                </a:solidFill>
+              </a:rPr>
+              <a:t>tutorial</a:t>
+            </a:r>
+            <a:r>
+              <a:rPr lang="en-US" b="1" i="1" dirty="0"/>
+              <a:t> </a:t>
+            </a:r>
             <a:r>
               <a:rPr lang="en-US" dirty="0"/>
-              <a:t>How quickly can a transcript be retrieval? (Performance)</a:t>
-            </a:r>
-          </a:p>
-          <a:p>
-            <a:pPr lvl="1"/>
-            <a:r>
-              <a:rPr lang="en-US" dirty="0"/>
-              <a:t>How many student transcripts can our system store? (Scalability)</a:t>
-            </a:r>
-          </a:p>
-          <a:p>
-            <a:pPr lvl="1"/>
-            <a:r>
-              <a:rPr lang="en-US" dirty="0"/>
-              <a:t>How long did I spend on the phone with support to set up the software? (Usability)</a:t>
-            </a:r>
-          </a:p>
-          <a:p>
-            <a:pPr lvl="1"/>
-            <a:r>
-              <a:rPr lang="en-US" dirty="0"/>
-              <a:t>After my system is setup, is the access controlled at all? (Security)</a:t>
-            </a:r>
-          </a:p>
-          <a:p>
-            <a:pPr lvl="1"/>
-            <a:r>
-              <a:rPr lang="en-US" dirty="0"/>
-              <a:t>Are these any times when I can’t use this system? (Availability) </a:t>
+              <a:t>can be found on course website!</a:t>
             </a:r>
           </a:p>
         </p:txBody>
@@ -12405,7 +12811,7 @@
     </p:spTree>
     <p:extLst>
       <p:ext uri="{BB962C8B-B14F-4D97-AF65-F5344CB8AC3E}">
-        <p14:creationId xmlns:p14="http://schemas.microsoft.com/office/powerpoint/2010/main" val="3635116464"/>
+        <p14:creationId xmlns:p14="http://schemas.microsoft.com/office/powerpoint/2010/main" val="553335431"/>
       </p:ext>
     </p:extLst>
   </p:cSld>
@@ -12455,7 +12861,7 @@
           <a:p>
             <a:r>
               <a:rPr lang="en-US" dirty="0"/>
-              <a:t>Requirements: Which to pick?</a:t>
+              <a:t>Non-Functional Requirements:</a:t>
             </a:r>
           </a:p>
         </p:txBody>
@@ -12484,6 +12890,166 @@
             <a:fld id="{20F37917-FD3A-4669-9018-DA04BCDD3D75}" type="slidenum">
               <a:rPr lang="en-US" smtClean="0"/>
               <a:t>16</a:t>
+            </a:fld>
+            <a:endParaRPr lang="en-US"/>
+          </a:p>
+        </p:txBody>
+      </p:sp>
+      <p:sp>
+        <p:nvSpPr>
+          <p:cNvPr id="9" name="Content Placeholder 2">
+            <a:extLst>
+              <a:ext uri="{FF2B5EF4-FFF2-40B4-BE49-F238E27FC236}">
+                <a16:creationId xmlns:a16="http://schemas.microsoft.com/office/drawing/2014/main" id="{154B344C-9133-E9C8-0056-74943F854D75}"/>
+              </a:ext>
+            </a:extLst>
+          </p:cNvPr>
+          <p:cNvSpPr>
+            <a:spLocks noGrp="1"/>
+          </p:cNvSpPr>
+          <p:nvPr>
+            <p:ph idx="1"/>
+          </p:nvPr>
+        </p:nvSpPr>
+        <p:spPr>
+          <a:xfrm>
+            <a:off x="838200" y="1500188"/>
+            <a:ext cx="9521142" cy="4351337"/>
+          </a:xfrm>
+        </p:spPr>
+        <p:txBody>
+          <a:bodyPr/>
+          <a:lstStyle/>
+          <a:p>
+            <a:r>
+              <a:rPr lang="en-US" dirty="0"/>
+              <a:t>What other properties might a customer want to know about </a:t>
+            </a:r>
+            <a:r>
+              <a:rPr lang="en-US"/>
+              <a:t>the product?</a:t>
+            </a:r>
+            <a:endParaRPr lang="en-US" dirty="0"/>
+          </a:p>
+          <a:p>
+            <a:pPr lvl="1"/>
+            <a:r>
+              <a:rPr lang="en-US" dirty="0"/>
+              <a:t>How quickly can a transcript be retrieval? (Performance)</a:t>
+            </a:r>
+          </a:p>
+          <a:p>
+            <a:pPr lvl="1"/>
+            <a:r>
+              <a:rPr lang="en-US" dirty="0"/>
+              <a:t>How many student transcripts can our system store? (Scalability)</a:t>
+            </a:r>
+          </a:p>
+          <a:p>
+            <a:pPr lvl="1"/>
+            <a:r>
+              <a:rPr lang="en-US" dirty="0"/>
+              <a:t>How long did I spend on the phone with support to set up the software? (Usability)</a:t>
+            </a:r>
+          </a:p>
+          <a:p>
+            <a:pPr lvl="1"/>
+            <a:r>
+              <a:rPr lang="en-US" dirty="0"/>
+              <a:t>After my system is setup, is the access controlled at all? (Security)</a:t>
+            </a:r>
+          </a:p>
+          <a:p>
+            <a:pPr lvl="1"/>
+            <a:r>
+              <a:rPr lang="en-US" dirty="0"/>
+              <a:t>Are these any times when I can’t use this system? (Availability) </a:t>
+            </a:r>
+          </a:p>
+        </p:txBody>
+      </p:sp>
+    </p:spTree>
+    <p:extLst>
+      <p:ext uri="{BB962C8B-B14F-4D97-AF65-F5344CB8AC3E}">
+        <p14:creationId xmlns:p14="http://schemas.microsoft.com/office/powerpoint/2010/main" val="3635116464"/>
+      </p:ext>
+    </p:extLst>
+  </p:cSld>
+  <p:clrMapOvr>
+    <a:masterClrMapping/>
+  </p:clrMapOvr>
+</p:sld>
+</file>
+
+<file path=ppt/slides/slide17.xml><?xml version="1.0" encoding="utf-8"?>
+<p:sld xmlns:a="http://schemas.openxmlformats.org/drawingml/2006/main" xmlns:r="http://schemas.openxmlformats.org/officeDocument/2006/relationships" xmlns:p="http://schemas.openxmlformats.org/presentationml/2006/main">
+  <p:cSld>
+    <p:spTree>
+      <p:nvGrpSpPr>
+        <p:cNvPr id="1" name=""/>
+        <p:cNvGrpSpPr/>
+        <p:nvPr/>
+      </p:nvGrpSpPr>
+      <p:grpSpPr>
+        <a:xfrm>
+          <a:off x="0" y="0"/>
+          <a:ext cx="0" cy="0"/>
+          <a:chOff x="0" y="0"/>
+          <a:chExt cx="0" cy="0"/>
+        </a:xfrm>
+      </p:grpSpPr>
+      <p:sp>
+        <p:nvSpPr>
+          <p:cNvPr id="2" name="Title 1">
+            <a:extLst>
+              <a:ext uri="{FF2B5EF4-FFF2-40B4-BE49-F238E27FC236}">
+                <a16:creationId xmlns:a16="http://schemas.microsoft.com/office/drawing/2014/main" id="{16F86D58-152F-496B-BA81-FDA5B100832A}"/>
+              </a:ext>
+            </a:extLst>
+          </p:cNvPr>
+          <p:cNvSpPr>
+            <a:spLocks noGrp="1"/>
+          </p:cNvSpPr>
+          <p:nvPr>
+            <p:ph type="title"/>
+          </p:nvPr>
+        </p:nvSpPr>
+        <p:spPr/>
+        <p:txBody>
+          <a:bodyPr/>
+          <a:lstStyle/>
+          <a:p>
+            <a:r>
+              <a:rPr lang="en-US" dirty="0"/>
+              <a:t>Requirements: Which to pick?</a:t>
+            </a:r>
+          </a:p>
+        </p:txBody>
+      </p:sp>
+      <p:sp>
+        <p:nvSpPr>
+          <p:cNvPr id="4" name="Slide Number Placeholder 3">
+            <a:extLst>
+              <a:ext uri="{FF2B5EF4-FFF2-40B4-BE49-F238E27FC236}">
+                <a16:creationId xmlns:a16="http://schemas.microsoft.com/office/drawing/2014/main" id="{C7C3DEB3-F948-4B7E-8BDA-FB7ABCF7A993}"/>
+              </a:ext>
+            </a:extLst>
+          </p:cNvPr>
+          <p:cNvSpPr>
+            <a:spLocks noGrp="1"/>
+          </p:cNvSpPr>
+          <p:nvPr>
+            <p:ph type="sldNum" sz="quarter" idx="12"/>
+          </p:nvPr>
+        </p:nvSpPr>
+        <p:spPr/>
+        <p:txBody>
+          <a:bodyPr/>
+          <a:lstStyle/>
+          <a:p>
+            <a:fld id="{20F37917-FD3A-4669-9018-DA04BCDD3D75}" type="slidenum">
+              <a:rPr lang="en-US" smtClean="0"/>
+              <a:t>17</a:t>
             </a:fld>
             <a:endParaRPr lang="en-US"/>
           </a:p>
@@ -12634,7 +13200,7 @@
 </p:sld>
 </file>
 
-<file path=ppt/slides/slide17.xml><?xml version="1.0" encoding="utf-8"?>
+<file path=ppt/slides/slide18.xml><?xml version="1.0" encoding="utf-8"?>
 <p:sld xmlns:a="http://schemas.openxmlformats.org/drawingml/2006/main" xmlns:r="http://schemas.openxmlformats.org/officeDocument/2006/relationships" xmlns:p="http://schemas.openxmlformats.org/presentationml/2006/main">
   <p:cSld>
     <p:spTree>
@@ -12763,7 +13329,7 @@
           <a:p>
             <a:fld id="{20F37917-FD3A-4669-9018-DA04BCDD3D75}" type="slidenum">
               <a:rPr lang="en-US" smtClean="0"/>
-              <a:t>17</a:t>
+              <a:t>18</a:t>
             </a:fld>
             <a:endParaRPr lang="en-US"/>
           </a:p>
@@ -12773,6 +13339,134 @@
     <p:extLst>
       <p:ext uri="{BB962C8B-B14F-4D97-AF65-F5344CB8AC3E}">
         <p14:creationId xmlns:p14="http://schemas.microsoft.com/office/powerpoint/2010/main" val="673410589"/>
+      </p:ext>
+    </p:extLst>
+  </p:cSld>
+  <p:clrMapOvr>
+    <a:masterClrMapping/>
+  </p:clrMapOvr>
+</p:sld>
+</file>
+
+<file path=ppt/slides/slide19.xml><?xml version="1.0" encoding="utf-8"?>
+<p:sld xmlns:a="http://schemas.openxmlformats.org/drawingml/2006/main" xmlns:r="http://schemas.openxmlformats.org/officeDocument/2006/relationships" xmlns:p="http://schemas.openxmlformats.org/presentationml/2006/main">
+  <p:cSld>
+    <p:spTree>
+      <p:nvGrpSpPr>
+        <p:cNvPr id="1" name=""/>
+        <p:cNvGrpSpPr/>
+        <p:nvPr/>
+      </p:nvGrpSpPr>
+      <p:grpSpPr>
+        <a:xfrm>
+          <a:off x="0" y="0"/>
+          <a:ext cx="0" cy="0"/>
+          <a:chOff x="0" y="0"/>
+          <a:chExt cx="0" cy="0"/>
+        </a:xfrm>
+      </p:grpSpPr>
+      <p:sp>
+        <p:nvSpPr>
+          <p:cNvPr id="2" name="Title 1">
+            <a:extLst>
+              <a:ext uri="{FF2B5EF4-FFF2-40B4-BE49-F238E27FC236}">
+                <a16:creationId xmlns:a16="http://schemas.microsoft.com/office/drawing/2014/main" id="{4F8F7B5D-FB6C-436E-B15E-6071C1AF4E43}"/>
+              </a:ext>
+            </a:extLst>
+          </p:cNvPr>
+          <p:cNvSpPr>
+            <a:spLocks noGrp="1"/>
+          </p:cNvSpPr>
+          <p:nvPr>
+            <p:ph type="title"/>
+          </p:nvPr>
+        </p:nvSpPr>
+        <p:spPr/>
+        <p:txBody>
+          <a:bodyPr/>
+          <a:lstStyle/>
+          <a:p>
+            <a:r>
+              <a:rPr lang="en-US" dirty="0"/>
+              <a:t>Lesson 1.2 Activity: user Stories</a:t>
+            </a:r>
+          </a:p>
+        </p:txBody>
+      </p:sp>
+      <p:sp>
+        <p:nvSpPr>
+          <p:cNvPr id="3" name="Content Placeholder 2">
+            <a:extLst>
+              <a:ext uri="{FF2B5EF4-FFF2-40B4-BE49-F238E27FC236}">
+                <a16:creationId xmlns:a16="http://schemas.microsoft.com/office/drawing/2014/main" id="{A35947AF-DDC1-4EDB-B11F-00E505483FD1}"/>
+              </a:ext>
+            </a:extLst>
+          </p:cNvPr>
+          <p:cNvSpPr>
+            <a:spLocks noGrp="1"/>
+          </p:cNvSpPr>
+          <p:nvPr>
+            <p:ph idx="1"/>
+          </p:nvPr>
+        </p:nvSpPr>
+        <p:spPr>
+          <a:xfrm>
+            <a:off x="838199" y="1777999"/>
+            <a:ext cx="9812867" cy="3291712"/>
+          </a:xfrm>
+        </p:spPr>
+        <p:txBody>
+          <a:bodyPr>
+            <a:normAutofit/>
+          </a:bodyPr>
+          <a:lstStyle/>
+          <a:p>
+            <a:r>
+              <a:rPr lang="en-US" dirty="0"/>
+              <a:t>Please review the tutorial for writing user stories and conditions of satisfaction (with priorities). </a:t>
+            </a:r>
+          </a:p>
+          <a:p>
+            <a:r>
+              <a:rPr lang="en-US" dirty="0"/>
+              <a:t>Instructions for the related activity can also be found on course website (module01 page).</a:t>
+            </a:r>
+          </a:p>
+        </p:txBody>
+      </p:sp>
+      <p:sp>
+        <p:nvSpPr>
+          <p:cNvPr id="4" name="Slide Number Placeholder 3">
+            <a:extLst>
+              <a:ext uri="{FF2B5EF4-FFF2-40B4-BE49-F238E27FC236}">
+                <a16:creationId xmlns:a16="http://schemas.microsoft.com/office/drawing/2014/main" id="{80BD1BF0-3FF8-4C70-9176-0B4EFBC93609}"/>
+              </a:ext>
+            </a:extLst>
+          </p:cNvPr>
+          <p:cNvSpPr>
+            <a:spLocks noGrp="1"/>
+          </p:cNvSpPr>
+          <p:nvPr>
+            <p:ph type="sldNum" sz="quarter" idx="12"/>
+          </p:nvPr>
+        </p:nvSpPr>
+        <p:spPr/>
+        <p:txBody>
+          <a:bodyPr/>
+          <a:lstStyle/>
+          <a:p>
+            <a:fld id="{20F37917-FD3A-4669-9018-DA04BCDD3D75}" type="slidenum">
+              <a:rPr lang="en-US" smtClean="0"/>
+              <a:t>19</a:t>
+            </a:fld>
+            <a:endParaRPr lang="en-US"/>
+          </a:p>
+        </p:txBody>
+      </p:sp>
+    </p:spTree>
+    <p:extLst>
+      <p:ext uri="{BB962C8B-B14F-4D97-AF65-F5344CB8AC3E}">
+        <p14:creationId xmlns:p14="http://schemas.microsoft.com/office/powerpoint/2010/main" val="986787541"/>
       </p:ext>
     </p:extLst>
   </p:cSld>

--- a/Slides/Module 01.2 Requirements Gathering.pptx
+++ b/Slides/Module 01.2 Requirements Gathering.pptx
@@ -5170,6 +5170,20 @@
           <a:bodyPr/>
           <a:lstStyle/>
           <a:p>
+            <a:r>
+              <a:rPr lang="en-US" sz="1200" b="0" i="0" u="none" strike="noStrike" kern="1200" dirty="0">
+                <a:solidFill>
+                  <a:schemeClr val="tx1"/>
+                </a:solidFill>
+                <a:effectLst/>
+                <a:latin typeface="+mn-lt"/>
+                <a:ea typeface="+mn-ea"/>
+                <a:cs typeface="+mn-cs"/>
+              </a:rPr>
+              <a:t>Idea for Activity:</a:t>
+            </a:r>
+          </a:p>
+          <a:p>
             <a:endParaRPr lang="en-US" sz="1200" b="0" i="0" u="none" strike="noStrike" kern="1200" dirty="0">
               <a:solidFill>
                 <a:schemeClr val="tx1"/>
@@ -5179,6 +5193,20 @@
               <a:ea typeface="+mn-ea"/>
               <a:cs typeface="+mn-cs"/>
             </a:endParaRPr>
+          </a:p>
+          <a:p>
+            <a:r>
+              <a:rPr lang="en-US" sz="1200" b="0" i="0" u="none" strike="noStrike" kern="1200" dirty="0">
+                <a:solidFill>
+                  <a:schemeClr val="tx1"/>
+                </a:solidFill>
+                <a:effectLst/>
+                <a:latin typeface="+mn-lt"/>
+                <a:ea typeface="+mn-ea"/>
+                <a:cs typeface="+mn-cs"/>
+              </a:rPr>
+              <a:t>Allow students to provide examples of good and bad user stories and conditions of satisfaction. Have them discuss those and possibly present those.</a:t>
+            </a:r>
           </a:p>
         </p:txBody>
       </p:sp>
@@ -13388,7 +13416,7 @@
           <a:p>
             <a:r>
               <a:rPr lang="en-US" dirty="0"/>
-              <a:t>Lesson 1.2 Activity: user Stories</a:t>
+              <a:t>Lesson 1.2 Activity: User Stories</a:t>
             </a:r>
           </a:p>
         </p:txBody>

--- a/Slides/Module 01.2 Requirements Gathering.pptx
+++ b/Slides/Module 01.2 Requirements Gathering.pptx
@@ -22,9 +22,9 @@
     <p:sldId id="495" r:id="rId13"/>
     <p:sldId id="528" r:id="rId14"/>
     <p:sldId id="527" r:id="rId15"/>
-    <p:sldId id="529" r:id="rId16"/>
-    <p:sldId id="405" r:id="rId17"/>
-    <p:sldId id="497" r:id="rId18"/>
+    <p:sldId id="497" r:id="rId16"/>
+    <p:sldId id="529" r:id="rId17"/>
+    <p:sldId id="405" r:id="rId18"/>
     <p:sldId id="498" r:id="rId19"/>
     <p:sldId id="355" r:id="rId20"/>
   </p:sldIdLst>
@@ -165,9 +165,9 @@
             <p14:sldId id="495"/>
             <p14:sldId id="528"/>
             <p14:sldId id="527"/>
+            <p14:sldId id="497"/>
             <p14:sldId id="529"/>
             <p14:sldId id="405"/>
-            <p14:sldId id="497"/>
             <p14:sldId id="498"/>
             <p14:sldId id="355"/>
           </p14:sldIdLst>
@@ -3669,7 +3669,7 @@
           <a:p>
             <a:fld id="{7C7E5181-6CF5-45F7-A87A-E0E0B1FD7549}" type="datetimeFigureOut">
               <a:rPr lang="en-US" smtClean="0"/>
-              <a:t>12/25/2022</a:t>
+              <a:t>1/11/2023</a:t>
             </a:fld>
             <a:endParaRPr lang="en-US"/>
           </a:p>
@@ -4083,6 +4083,49 @@
             </a:pPr>
             <a:r>
               <a:rPr lang="en-US" dirty="0"/>
+              <a:t>There are many ways to document the requirements for a project.</a:t>
+            </a:r>
+          </a:p>
+          <a:p>
+            <a:pPr marL="0" marR="0" lvl="0" indent="0" algn="l" defTabSz="914400" rtl="0" eaLnBrk="1" fontAlgn="auto" latinLnBrk="0" hangingPunct="1">
+              <a:lnSpc>
+                <a:spcPct val="100000"/>
+              </a:lnSpc>
+              <a:spcBef>
+                <a:spcPts val="0"/>
+              </a:spcBef>
+              <a:spcAft>
+                <a:spcPts val="0"/>
+              </a:spcAft>
+              <a:buClrTx/>
+              <a:buSzTx/>
+              <a:buFontTx/>
+              <a:buNone/>
+              <a:tabLst/>
+              <a:defRPr/>
+            </a:pPr>
+            <a:endParaRPr lang="en-US" dirty="0"/>
+          </a:p>
+          <a:p>
+            <a:pPr marL="0" marR="0" lvl="0" indent="0" algn="l" defTabSz="914400" rtl="0" eaLnBrk="1" fontAlgn="auto" latinLnBrk="0" hangingPunct="1">
+              <a:lnSpc>
+                <a:spcPct val="100000"/>
+              </a:lnSpc>
+              <a:spcBef>
+                <a:spcPts val="0"/>
+              </a:spcBef>
+              <a:spcAft>
+                <a:spcPts val="0"/>
+              </a:spcAft>
+              <a:buClrTx/>
+              <a:buSzTx/>
+              <a:buFontTx/>
+              <a:buNone/>
+              <a:tabLst/>
+              <a:defRPr/>
+            </a:pPr>
+            <a:r>
+              <a:rPr lang="en-US" dirty="0"/>
               <a:t>One way to specify requirements is with a formal specification. That is, you specify all possible inputs and all expected outputs and side effects.</a:t>
             </a:r>
           </a:p>
@@ -4621,19 +4664,24 @@
           <a:bodyPr/>
           <a:lstStyle/>
           <a:p>
-            <a:r>
-              <a:rPr lang="en-US" dirty="0"/>
-              <a:t>User stories may be prioritized as Essential, Desirable or may just be for Extension.</a:t>
-            </a:r>
-          </a:p>
-          <a:p>
+            <a:pPr marL="0" marR="0" lvl="0" indent="0" algn="l" defTabSz="914400" rtl="0" eaLnBrk="1" fontAlgn="auto" latinLnBrk="0" hangingPunct="1">
+              <a:lnSpc>
+                <a:spcPct val="100000"/>
+              </a:lnSpc>
+              <a:spcBef>
+                <a:spcPts val="0"/>
+              </a:spcBef>
+              <a:spcAft>
+                <a:spcPts val="0"/>
+              </a:spcAft>
+              <a:buClrTx/>
+              <a:buSzTx/>
+              <a:buFontTx/>
+              <a:buNone/>
+              <a:tabLst/>
+              <a:defRPr/>
+            </a:pPr>
             <a:endParaRPr lang="en-US" dirty="0"/>
-          </a:p>
-          <a:p>
-            <a:r>
-              <a:rPr lang="en-US" dirty="0"/>
-              <a:t>All essential user stories often make Minimum Viable product</a:t>
-            </a:r>
           </a:p>
         </p:txBody>
       </p:sp>
@@ -4663,7 +4711,7 @@
     </p:spTree>
     <p:extLst>
       <p:ext uri="{BB962C8B-B14F-4D97-AF65-F5344CB8AC3E}">
-        <p14:creationId xmlns:p14="http://schemas.microsoft.com/office/powerpoint/2010/main" val="2864211945"/>
+        <p14:creationId xmlns:p14="http://schemas.microsoft.com/office/powerpoint/2010/main" val="346195192"/>
       </p:ext>
     </p:extLst>
   </p:cSld>
@@ -4717,187 +4765,18 @@
           <a:bodyPr/>
           <a:lstStyle/>
           <a:p>
-            <a:pPr marL="0" marR="0" lvl="0" indent="0" algn="l" defTabSz="914400" rtl="0" eaLnBrk="1" fontAlgn="auto" latinLnBrk="0" hangingPunct="1">
-              <a:lnSpc>
-                <a:spcPct val="100000"/>
-              </a:lnSpc>
-              <a:spcBef>
-                <a:spcPts val="0"/>
-              </a:spcBef>
-              <a:spcAft>
-                <a:spcPts val="0"/>
-              </a:spcAft>
-              <a:buClrTx/>
-              <a:buSzTx/>
-              <a:buFontTx/>
-              <a:buNone/>
-              <a:tabLst/>
-              <a:defRPr/>
-            </a:pPr>
-            <a:r>
-              <a:rPr lang="en-US" sz="3600" dirty="0"/>
-              <a:t>There are a number of important NF requirements to discuss. Here are some</a:t>
-            </a:r>
-          </a:p>
-          <a:p>
-            <a:pPr marL="0" marR="0" lvl="0" indent="0" algn="l" defTabSz="914400" rtl="0" eaLnBrk="1" fontAlgn="auto" latinLnBrk="0" hangingPunct="1">
-              <a:lnSpc>
-                <a:spcPct val="100000"/>
-              </a:lnSpc>
-              <a:spcBef>
-                <a:spcPts val="0"/>
-              </a:spcBef>
-              <a:spcAft>
-                <a:spcPts val="0"/>
-              </a:spcAft>
-              <a:buClrTx/>
-              <a:buSzTx/>
-              <a:buFontTx/>
-              <a:buNone/>
-              <a:tabLst/>
-              <a:defRPr/>
-            </a:pPr>
-            <a:r>
-              <a:rPr lang="en-US" sz="3600" dirty="0"/>
-              <a:t>Security — Does your product store or transmit sensitive information? Does your IT department require adherence to specific standards? What security best practices are used in your industry?</a:t>
-            </a:r>
-          </a:p>
-          <a:p>
-            <a:pPr marL="0" marR="0" lvl="0" indent="0" algn="l" defTabSz="914400" rtl="0" eaLnBrk="1" fontAlgn="auto" latinLnBrk="0" hangingPunct="1">
-              <a:lnSpc>
-                <a:spcPct val="100000"/>
-              </a:lnSpc>
-              <a:spcBef>
-                <a:spcPts val="0"/>
-              </a:spcBef>
-              <a:spcAft>
-                <a:spcPts val="0"/>
-              </a:spcAft>
-              <a:buClrTx/>
-              <a:buSzTx/>
-              <a:buFontTx/>
-              <a:buNone/>
-              <a:tabLst/>
-              <a:defRPr/>
-            </a:pPr>
-            <a:r>
-              <a:rPr lang="en-US" sz="3600" dirty="0"/>
-              <a:t>Capacity — What are your system’s storage requirements, today and in the future? How will your system scale up for increasing volume demands?</a:t>
-            </a:r>
-          </a:p>
-          <a:p>
-            <a:pPr marL="0" marR="0" lvl="0" indent="0" algn="l" defTabSz="914400" rtl="0" eaLnBrk="1" fontAlgn="auto" latinLnBrk="0" hangingPunct="1">
-              <a:lnSpc>
-                <a:spcPct val="100000"/>
-              </a:lnSpc>
-              <a:spcBef>
-                <a:spcPts val="0"/>
-              </a:spcBef>
-              <a:spcAft>
-                <a:spcPts val="0"/>
-              </a:spcAft>
-              <a:buClrTx/>
-              <a:buSzTx/>
-              <a:buFontTx/>
-              <a:buNone/>
-              <a:tabLst/>
-              <a:defRPr/>
-            </a:pPr>
-            <a:r>
-              <a:rPr lang="en-US" sz="3600" dirty="0"/>
-              <a:t>Compatibility — What are the minimum hardware requirements? What operating systems and their versions must be supported?</a:t>
-            </a:r>
-          </a:p>
-          <a:p>
-            <a:pPr marL="0" marR="0" lvl="0" indent="0" algn="l" defTabSz="914400" rtl="0" eaLnBrk="1" fontAlgn="auto" latinLnBrk="0" hangingPunct="1">
-              <a:lnSpc>
-                <a:spcPct val="100000"/>
-              </a:lnSpc>
-              <a:spcBef>
-                <a:spcPts val="0"/>
-              </a:spcBef>
-              <a:spcAft>
-                <a:spcPts val="0"/>
-              </a:spcAft>
-              <a:buClrTx/>
-              <a:buSzTx/>
-              <a:buFontTx/>
-              <a:buNone/>
-              <a:tabLst/>
-              <a:defRPr/>
-            </a:pPr>
-            <a:r>
-              <a:rPr lang="en-US" sz="3600" dirty="0"/>
-              <a:t>Reliability and Availability — What is the critical failure time under normal usage? Does a user need access to this all hours of every day?</a:t>
-            </a:r>
-          </a:p>
-          <a:p>
-            <a:pPr marL="0" marR="0" lvl="0" indent="0" algn="l" defTabSz="914400" rtl="0" eaLnBrk="1" fontAlgn="auto" latinLnBrk="0" hangingPunct="1">
-              <a:lnSpc>
-                <a:spcPct val="100000"/>
-              </a:lnSpc>
-              <a:spcBef>
-                <a:spcPts val="0"/>
-              </a:spcBef>
-              <a:spcAft>
-                <a:spcPts val="0"/>
-              </a:spcAft>
-              <a:buClrTx/>
-              <a:buSzTx/>
-              <a:buFontTx/>
-              <a:buNone/>
-              <a:tabLst/>
-              <a:defRPr/>
-            </a:pPr>
-            <a:r>
-              <a:rPr lang="en-US" sz="3600" dirty="0"/>
-              <a:t>Maintainability  + Manageability—How much time does it take to fix components, and how easily can an administrator manage the system? Under this umbrella, you could also define Recoverability and Serviceability.</a:t>
-            </a:r>
-          </a:p>
-          <a:p>
-            <a:pPr marL="0" marR="0" lvl="0" indent="0" algn="l" defTabSz="914400" rtl="0" eaLnBrk="1" fontAlgn="auto" latinLnBrk="0" hangingPunct="1">
-              <a:lnSpc>
-                <a:spcPct val="100000"/>
-              </a:lnSpc>
-              <a:spcBef>
-                <a:spcPts val="0"/>
-              </a:spcBef>
-              <a:spcAft>
-                <a:spcPts val="0"/>
-              </a:spcAft>
-              <a:buClrTx/>
-              <a:buSzTx/>
-              <a:buFontTx/>
-              <a:buNone/>
-              <a:tabLst/>
-              <a:defRPr/>
-            </a:pPr>
-            <a:r>
-              <a:rPr lang="en-US" sz="3600" dirty="0"/>
-              <a:t>Scalability – The Black Friday test. What are the highest workloads under which the system will still perform as expected?</a:t>
-            </a:r>
-          </a:p>
-          <a:p>
-            <a:pPr marL="0" marR="0" lvl="0" indent="0" algn="l" defTabSz="914400" rtl="0" eaLnBrk="1" fontAlgn="auto" latinLnBrk="0" hangingPunct="1">
-              <a:lnSpc>
-                <a:spcPct val="100000"/>
-              </a:lnSpc>
-              <a:spcBef>
-                <a:spcPts val="0"/>
-              </a:spcBef>
-              <a:spcAft>
-                <a:spcPts val="0"/>
-              </a:spcAft>
-              <a:buClrTx/>
-              <a:buSzTx/>
-              <a:buFontTx/>
-              <a:buNone/>
-              <a:tabLst/>
-              <a:defRPr/>
-            </a:pPr>
-            <a:r>
-              <a:rPr lang="en-US" sz="3600" dirty="0"/>
-              <a:t>Usability — How easy is it to use the product? What defines the experience of using the product?</a:t>
+            <a:r>
+              <a:rPr lang="en-US" dirty="0"/>
+              <a:t>User stories may be prioritized as Essential, Desirable or may just be for Extension.</a:t>
+            </a:r>
+          </a:p>
+          <a:p>
+            <a:endParaRPr lang="en-US" dirty="0"/>
+          </a:p>
+          <a:p>
+            <a:r>
+              <a:rPr lang="en-US" dirty="0"/>
+              <a:t>All essential user stories often make Minimum Viable product</a:t>
             </a:r>
           </a:p>
         </p:txBody>
@@ -4928,7 +4807,7 @@
     </p:spTree>
     <p:extLst>
       <p:ext uri="{BB962C8B-B14F-4D97-AF65-F5344CB8AC3E}">
-        <p14:creationId xmlns:p14="http://schemas.microsoft.com/office/powerpoint/2010/main" val="3623387796"/>
+        <p14:creationId xmlns:p14="http://schemas.microsoft.com/office/powerpoint/2010/main" val="2864211945"/>
       </p:ext>
     </p:extLst>
   </p:cSld>
@@ -4999,7 +4878,171 @@
               <a:tabLst/>
               <a:defRPr/>
             </a:pPr>
-            <a:endParaRPr lang="en-US" dirty="0"/>
+            <a:r>
+              <a:rPr lang="en-US" sz="3600" dirty="0"/>
+              <a:t>There are a number of important NF requirements to discuss. Here are some</a:t>
+            </a:r>
+          </a:p>
+          <a:p>
+            <a:pPr marL="0" marR="0" lvl="0" indent="0" algn="l" defTabSz="914400" rtl="0" eaLnBrk="1" fontAlgn="auto" latinLnBrk="0" hangingPunct="1">
+              <a:lnSpc>
+                <a:spcPct val="100000"/>
+              </a:lnSpc>
+              <a:spcBef>
+                <a:spcPts val="0"/>
+              </a:spcBef>
+              <a:spcAft>
+                <a:spcPts val="0"/>
+              </a:spcAft>
+              <a:buClrTx/>
+              <a:buSzTx/>
+              <a:buFontTx/>
+              <a:buNone/>
+              <a:tabLst/>
+              <a:defRPr/>
+            </a:pPr>
+            <a:r>
+              <a:rPr lang="en-US" sz="3600" dirty="0"/>
+              <a:t>Security — Does your product store or transmit sensitive information? Does your IT department require adherence to specific standards? What security best practices are used in your industry?</a:t>
+            </a:r>
+          </a:p>
+          <a:p>
+            <a:pPr marL="0" marR="0" lvl="0" indent="0" algn="l" defTabSz="914400" rtl="0" eaLnBrk="1" fontAlgn="auto" latinLnBrk="0" hangingPunct="1">
+              <a:lnSpc>
+                <a:spcPct val="100000"/>
+              </a:lnSpc>
+              <a:spcBef>
+                <a:spcPts val="0"/>
+              </a:spcBef>
+              <a:spcAft>
+                <a:spcPts val="0"/>
+              </a:spcAft>
+              <a:buClrTx/>
+              <a:buSzTx/>
+              <a:buFontTx/>
+              <a:buNone/>
+              <a:tabLst/>
+              <a:defRPr/>
+            </a:pPr>
+            <a:r>
+              <a:rPr lang="en-US" sz="3600" dirty="0"/>
+              <a:t>Capacity — What are your system’s storage requirements, today and in the future? How will your system scale up for increasing volume demands?</a:t>
+            </a:r>
+          </a:p>
+          <a:p>
+            <a:pPr marL="0" marR="0" lvl="0" indent="0" algn="l" defTabSz="914400" rtl="0" eaLnBrk="1" fontAlgn="auto" latinLnBrk="0" hangingPunct="1">
+              <a:lnSpc>
+                <a:spcPct val="100000"/>
+              </a:lnSpc>
+              <a:spcBef>
+                <a:spcPts val="0"/>
+              </a:spcBef>
+              <a:spcAft>
+                <a:spcPts val="0"/>
+              </a:spcAft>
+              <a:buClrTx/>
+              <a:buSzTx/>
+              <a:buFontTx/>
+              <a:buNone/>
+              <a:tabLst/>
+              <a:defRPr/>
+            </a:pPr>
+            <a:r>
+              <a:rPr lang="en-US" sz="3600" dirty="0"/>
+              <a:t>Compatibility — What are the minimum hardware requirements? What operating systems and their versions must be supported?</a:t>
+            </a:r>
+          </a:p>
+          <a:p>
+            <a:pPr marL="0" marR="0" lvl="0" indent="0" algn="l" defTabSz="914400" rtl="0" eaLnBrk="1" fontAlgn="auto" latinLnBrk="0" hangingPunct="1">
+              <a:lnSpc>
+                <a:spcPct val="100000"/>
+              </a:lnSpc>
+              <a:spcBef>
+                <a:spcPts val="0"/>
+              </a:spcBef>
+              <a:spcAft>
+                <a:spcPts val="0"/>
+              </a:spcAft>
+              <a:buClrTx/>
+              <a:buSzTx/>
+              <a:buFontTx/>
+              <a:buNone/>
+              <a:tabLst/>
+              <a:defRPr/>
+            </a:pPr>
+            <a:r>
+              <a:rPr lang="en-US" sz="3600" dirty="0"/>
+              <a:t>Reliability and Availability — What is the critical failure time under normal usage? Does a user need access to this all hours of every day?</a:t>
+            </a:r>
+          </a:p>
+          <a:p>
+            <a:pPr marL="0" marR="0" lvl="0" indent="0" algn="l" defTabSz="914400" rtl="0" eaLnBrk="1" fontAlgn="auto" latinLnBrk="0" hangingPunct="1">
+              <a:lnSpc>
+                <a:spcPct val="100000"/>
+              </a:lnSpc>
+              <a:spcBef>
+                <a:spcPts val="0"/>
+              </a:spcBef>
+              <a:spcAft>
+                <a:spcPts val="0"/>
+              </a:spcAft>
+              <a:buClrTx/>
+              <a:buSzTx/>
+              <a:buFontTx/>
+              <a:buNone/>
+              <a:tabLst/>
+              <a:defRPr/>
+            </a:pPr>
+            <a:r>
+              <a:rPr lang="en-US" sz="3600" dirty="0"/>
+              <a:t>Maintainability  + Manageability—How much time does it take to fix components, and how easily can an administrator manage the system? Under this umbrella, you could also define Recoverability and Serviceability.</a:t>
+            </a:r>
+          </a:p>
+          <a:p>
+            <a:pPr marL="0" marR="0" lvl="0" indent="0" algn="l" defTabSz="914400" rtl="0" eaLnBrk="1" fontAlgn="auto" latinLnBrk="0" hangingPunct="1">
+              <a:lnSpc>
+                <a:spcPct val="100000"/>
+              </a:lnSpc>
+              <a:spcBef>
+                <a:spcPts val="0"/>
+              </a:spcBef>
+              <a:spcAft>
+                <a:spcPts val="0"/>
+              </a:spcAft>
+              <a:buClrTx/>
+              <a:buSzTx/>
+              <a:buFontTx/>
+              <a:buNone/>
+              <a:tabLst/>
+              <a:defRPr/>
+            </a:pPr>
+            <a:r>
+              <a:rPr lang="en-US" sz="3600" dirty="0"/>
+              <a:t>Scalability – The Black Friday test. What are the highest workloads under which the system will still perform as expected?</a:t>
+            </a:r>
+          </a:p>
+          <a:p>
+            <a:pPr marL="0" marR="0" lvl="0" indent="0" algn="l" defTabSz="914400" rtl="0" eaLnBrk="1" fontAlgn="auto" latinLnBrk="0" hangingPunct="1">
+              <a:lnSpc>
+                <a:spcPct val="100000"/>
+              </a:lnSpc>
+              <a:spcBef>
+                <a:spcPts val="0"/>
+              </a:spcBef>
+              <a:spcAft>
+                <a:spcPts val="0"/>
+              </a:spcAft>
+              <a:buClrTx/>
+              <a:buSzTx/>
+              <a:buFontTx/>
+              <a:buNone/>
+              <a:tabLst/>
+              <a:defRPr/>
+            </a:pPr>
+            <a:r>
+              <a:rPr lang="en-US" sz="3600" dirty="0"/>
+              <a:t>Usability — How easy is it to use the product? What defines the experience of using the product?</a:t>
+            </a:r>
           </a:p>
         </p:txBody>
       </p:sp>
@@ -5029,7 +5072,7 @@
     </p:spTree>
     <p:extLst>
       <p:ext uri="{BB962C8B-B14F-4D97-AF65-F5344CB8AC3E}">
-        <p14:creationId xmlns:p14="http://schemas.microsoft.com/office/powerpoint/2010/main" val="346195192"/>
+        <p14:creationId xmlns:p14="http://schemas.microsoft.com/office/powerpoint/2010/main" val="3623387796"/>
       </p:ext>
     </p:extLst>
   </p:cSld>
@@ -6192,32 +6235,6 @@
             <a:r>
               <a:rPr lang="en-US" dirty="0"/>
               <a:t>This documentation can also serve as a point of reference for us to iterate with a customer, refining the requirements, and ensuring that all stakeholders agree on their completeness/correctness.</a:t>
-            </a:r>
-          </a:p>
-          <a:p>
-            <a:endParaRPr lang="en-US" dirty="0"/>
-          </a:p>
-          <a:p>
-            <a:pPr marL="0" marR="0" lvl="0" indent="0" algn="l" defTabSz="914400" rtl="0" eaLnBrk="1" fontAlgn="auto" latinLnBrk="0" hangingPunct="1">
-              <a:lnSpc>
-                <a:spcPct val="100000"/>
-              </a:lnSpc>
-              <a:spcBef>
-                <a:spcPts val="0"/>
-              </a:spcBef>
-              <a:spcAft>
-                <a:spcPts val="0"/>
-              </a:spcAft>
-              <a:buClrTx/>
-              <a:buSzTx/>
-              <a:buFontTx/>
-              <a:buNone/>
-              <a:tabLst/>
-              <a:defRPr/>
-            </a:pPr>
-            <a:r>
-              <a:rPr lang="en-US" dirty="0"/>
-              <a:t>There are a lot of options for how to do this…</a:t>
             </a:r>
           </a:p>
         </p:txBody>
@@ -6778,7 +6795,7 @@
           <a:p>
             <a:fld id="{5D2A64DE-480B-420F-9649-4F8E696E08E0}" type="datetime1">
               <a:rPr lang="en-US" smtClean="0"/>
-              <a:t>12/25/2022</a:t>
+              <a:t>1/11/2023</a:t>
             </a:fld>
             <a:endParaRPr lang="en-US"/>
           </a:p>
@@ -7102,7 +7119,7 @@
           <a:p>
             <a:fld id="{EA476A42-A091-4468-A075-64A31BE59948}" type="datetime1">
               <a:rPr lang="en-US" smtClean="0"/>
-              <a:t>12/25/2022</a:t>
+              <a:t>1/11/2023</a:t>
             </a:fld>
             <a:endParaRPr lang="en-US"/>
           </a:p>
@@ -7300,7 +7317,7 @@
           <a:p>
             <a:fld id="{0D3616D0-8311-4107-9726-6B805E7D05BA}" type="datetime1">
               <a:rPr lang="en-US" smtClean="0"/>
-              <a:t>12/25/2022</a:t>
+              <a:t>1/11/2023</a:t>
             </a:fld>
             <a:endParaRPr lang="en-US"/>
           </a:p>
@@ -7508,7 +7525,7 @@
           <a:p>
             <a:fld id="{3BC2557A-5C88-417A-A763-5AC779462A5F}" type="datetime1">
               <a:rPr lang="en-US" smtClean="0"/>
-              <a:t>12/25/2022</a:t>
+              <a:t>1/11/2023</a:t>
             </a:fld>
             <a:endParaRPr lang="en-US"/>
           </a:p>
@@ -8032,7 +8049,7 @@
           <a:p>
             <a:fld id="{07C7BFD4-467E-4EDE-93EA-052F5B39A4E5}" type="datetime1">
               <a:rPr lang="en-US" smtClean="0"/>
-              <a:t>12/25/2022</a:t>
+              <a:t>1/11/2023</a:t>
             </a:fld>
             <a:endParaRPr lang="en-US"/>
           </a:p>
@@ -8282,7 +8299,7 @@
           <a:p>
             <a:fld id="{07C7BFD4-467E-4EDE-93EA-052F5B39A4E5}" type="datetime1">
               <a:rPr lang="en-US" smtClean="0"/>
-              <a:t>12/25/2022</a:t>
+              <a:t>1/11/2023</a:t>
             </a:fld>
             <a:endParaRPr lang="en-US"/>
           </a:p>
@@ -8464,7 +8481,7 @@
           <a:p>
             <a:fld id="{109E55A0-C911-4F03-82FC-7E5926047D46}" type="datetime1">
               <a:rPr lang="en-US" smtClean="0"/>
-              <a:t>12/25/2022</a:t>
+              <a:t>1/11/2023</a:t>
             </a:fld>
             <a:endParaRPr lang="en-US"/>
           </a:p>
@@ -8777,7 +8794,7 @@
           <a:p>
             <a:fld id="{A533CBE2-D5BE-47AC-ADC2-9CDFC1D0CF90}" type="datetime1">
               <a:rPr lang="en-US" smtClean="0"/>
-              <a:t>12/25/2022</a:t>
+              <a:t>1/11/2023</a:t>
             </a:fld>
             <a:endParaRPr lang="en-US"/>
           </a:p>
@@ -9078,7 +9095,7 @@
           <a:p>
             <a:fld id="{39B7EDB1-CE74-4951-85A2-0B01C2128E28}" type="datetime1">
               <a:rPr lang="en-US" smtClean="0"/>
-              <a:t>12/25/2022</a:t>
+              <a:t>1/11/2023</a:t>
             </a:fld>
             <a:endParaRPr lang="en-US"/>
           </a:p>
@@ -9526,7 +9543,7 @@
           <a:p>
             <a:fld id="{2BC7EB92-A5C2-4807-A9DC-9EDE6CBFB241}" type="datetime1">
               <a:rPr lang="en-US" smtClean="0"/>
-              <a:t>12/25/2022</a:t>
+              <a:t>1/11/2023</a:t>
             </a:fld>
             <a:endParaRPr lang="en-US"/>
           </a:p>
@@ -9639,7 +9656,7 @@
           <a:p>
             <a:fld id="{2B7B7EE0-7771-4CD5-9B2B-3550753A54A1}" type="datetime1">
               <a:rPr lang="en-US" smtClean="0"/>
-              <a:t>12/25/2022</a:t>
+              <a:t>1/11/2023</a:t>
             </a:fld>
             <a:endParaRPr lang="en-US"/>
           </a:p>
@@ -9950,7 +9967,7 @@
           <a:p>
             <a:fld id="{F8B318B3-0E87-4416-A9B8-D891968C2727}" type="datetime1">
               <a:rPr lang="en-US" smtClean="0"/>
-              <a:t>12/25/2022</a:t>
+              <a:t>1/11/2023</a:t>
             </a:fld>
             <a:endParaRPr lang="en-US"/>
           </a:p>
@@ -10191,7 +10208,7 @@
           <a:p>
             <a:fld id="{54D997E8-DDEE-43F1-8D9B-F8A1E11DE488}" type="datetime1">
               <a:rPr lang="en-US" smtClean="0"/>
-              <a:t>12/25/2022</a:t>
+              <a:t>1/11/2023</a:t>
             </a:fld>
             <a:endParaRPr lang="en-US"/>
           </a:p>
@@ -12497,6 +12514,225 @@
           <p:cNvPr id="2" name="Title 1">
             <a:extLst>
               <a:ext uri="{FF2B5EF4-FFF2-40B4-BE49-F238E27FC236}">
+                <a16:creationId xmlns:a16="http://schemas.microsoft.com/office/drawing/2014/main" id="{16F86D58-152F-496B-BA81-FDA5B100832A}"/>
+              </a:ext>
+            </a:extLst>
+          </p:cNvPr>
+          <p:cNvSpPr>
+            <a:spLocks noGrp="1"/>
+          </p:cNvSpPr>
+          <p:nvPr>
+            <p:ph type="title"/>
+          </p:nvPr>
+        </p:nvSpPr>
+        <p:spPr/>
+        <p:txBody>
+          <a:bodyPr/>
+          <a:lstStyle/>
+          <a:p>
+            <a:r>
+              <a:rPr lang="en-US" dirty="0"/>
+              <a:t>Requirements: Which to pick?</a:t>
+            </a:r>
+          </a:p>
+        </p:txBody>
+      </p:sp>
+      <p:sp>
+        <p:nvSpPr>
+          <p:cNvPr id="4" name="Slide Number Placeholder 3">
+            <a:extLst>
+              <a:ext uri="{FF2B5EF4-FFF2-40B4-BE49-F238E27FC236}">
+                <a16:creationId xmlns:a16="http://schemas.microsoft.com/office/drawing/2014/main" id="{C7C3DEB3-F948-4B7E-8BDA-FB7ABCF7A993}"/>
+              </a:ext>
+            </a:extLst>
+          </p:cNvPr>
+          <p:cNvSpPr>
+            <a:spLocks noGrp="1"/>
+          </p:cNvSpPr>
+          <p:nvPr>
+            <p:ph type="sldNum" sz="quarter" idx="12"/>
+          </p:nvPr>
+        </p:nvSpPr>
+        <p:spPr/>
+        <p:txBody>
+          <a:bodyPr/>
+          <a:lstStyle/>
+          <a:p>
+            <a:fld id="{20F37917-FD3A-4669-9018-DA04BCDD3D75}" type="slidenum">
+              <a:rPr lang="en-US" smtClean="0"/>
+              <a:t>15</a:t>
+            </a:fld>
+            <a:endParaRPr lang="en-US"/>
+          </a:p>
+        </p:txBody>
+      </p:sp>
+      <p:sp>
+        <p:nvSpPr>
+          <p:cNvPr id="7" name="Content Placeholder 6">
+            <a:extLst>
+              <a:ext uri="{FF2B5EF4-FFF2-40B4-BE49-F238E27FC236}">
+                <a16:creationId xmlns:a16="http://schemas.microsoft.com/office/drawing/2014/main" id="{695B468C-8A4C-334E-9ECE-6E4EE06EEA36}"/>
+              </a:ext>
+            </a:extLst>
+          </p:cNvPr>
+          <p:cNvSpPr>
+            <a:spLocks noGrp="1"/>
+          </p:cNvSpPr>
+          <p:nvPr>
+            <p:ph idx="1"/>
+          </p:nvPr>
+        </p:nvSpPr>
+        <p:spPr>
+          <a:xfrm>
+            <a:off x="838200" y="1500160"/>
+            <a:ext cx="10515600" cy="4351338"/>
+          </a:xfrm>
+        </p:spPr>
+        <p:txBody>
+          <a:bodyPr/>
+          <a:lstStyle/>
+          <a:p>
+            <a:r>
+              <a:rPr lang="en-US" dirty="0"/>
+              <a:t>There are four knobs you can adjust when negotiating requirements:</a:t>
+            </a:r>
+          </a:p>
+          <a:p>
+            <a:pPr lvl="1"/>
+            <a:r>
+              <a:rPr lang="en-US" dirty="0"/>
+              <a:t>Project scope</a:t>
+            </a:r>
+          </a:p>
+          <a:p>
+            <a:pPr lvl="1"/>
+            <a:r>
+              <a:rPr lang="en-US" dirty="0"/>
+              <a:t>Project duration</a:t>
+            </a:r>
+          </a:p>
+          <a:p>
+            <a:pPr lvl="1"/>
+            <a:r>
+              <a:rPr lang="en-US" dirty="0"/>
+              <a:t>Project quality</a:t>
+            </a:r>
+          </a:p>
+          <a:p>
+            <a:pPr lvl="1"/>
+            <a:r>
+              <a:rPr lang="en-US" dirty="0"/>
+              <a:t>Project cost</a:t>
+            </a:r>
+          </a:p>
+          <a:p>
+            <a:r>
+              <a:rPr lang="en-US" dirty="0"/>
+              <a:t>Usually cost is most constrained: you have a budget to spend, and you have a headcount of developers to pay</a:t>
+            </a:r>
+          </a:p>
+          <a:p>
+            <a:r>
+              <a:rPr lang="en-US" dirty="0"/>
+              <a:t>Determining feasible scope, timeline and maximizing quality is the subject of much software engineering research, see next lesson</a:t>
+            </a:r>
+          </a:p>
+        </p:txBody>
+      </p:sp>
+      <p:sp>
+        <p:nvSpPr>
+          <p:cNvPr id="8" name="TextBox 7">
+            <a:extLst>
+              <a:ext uri="{FF2B5EF4-FFF2-40B4-BE49-F238E27FC236}">
+                <a16:creationId xmlns:a16="http://schemas.microsoft.com/office/drawing/2014/main" id="{F62F96CF-020C-774F-947B-42E422E24849}"/>
+              </a:ext>
+            </a:extLst>
+          </p:cNvPr>
+          <p:cNvSpPr txBox="1"/>
+          <p:nvPr/>
+        </p:nvSpPr>
+        <p:spPr>
+          <a:xfrm>
+            <a:off x="3683000" y="2641600"/>
+            <a:ext cx="0" cy="0"/>
+          </a:xfrm>
+          <a:prstGeom prst="rect">
+            <a:avLst/>
+          </a:prstGeom>
+          <a:noFill/>
+          <a:ln>
+            <a:noFill/>
+          </a:ln>
+        </p:spPr>
+        <p:style>
+          <a:lnRef idx="2">
+            <a:schemeClr val="accent1">
+              <a:shade val="50000"/>
+            </a:schemeClr>
+          </a:lnRef>
+          <a:fillRef idx="1">
+            <a:schemeClr val="accent1"/>
+          </a:fillRef>
+          <a:effectRef idx="0">
+            <a:schemeClr val="accent1"/>
+          </a:effectRef>
+          <a:fontRef idx="minor">
+            <a:schemeClr val="lt1"/>
+          </a:fontRef>
+        </p:style>
+        <p:txBody>
+          <a:bodyPr rot="0" spcFirstLastPara="0" vertOverflow="overflow" horzOverflow="overflow" vert="horz" wrap="none" lIns="91440" tIns="45720" rIns="91440" bIns="45720" numCol="1" spcCol="0" rtlCol="0" fromWordArt="0" anchor="ctr" anchorCtr="0" forceAA="0" compatLnSpc="1">
+            <a:prstTxWarp prst="textNoShape">
+              <a:avLst/>
+            </a:prstTxWarp>
+            <a:noAutofit/>
+          </a:bodyPr>
+          <a:lstStyle/>
+          <a:p>
+            <a:pPr algn="l"/>
+            <a:endParaRPr lang="en-US" dirty="0">
+              <a:solidFill>
+                <a:schemeClr val="tx1"/>
+              </a:solidFill>
+            </a:endParaRPr>
+          </a:p>
+        </p:txBody>
+      </p:sp>
+    </p:spTree>
+    <p:extLst>
+      <p:ext uri="{BB962C8B-B14F-4D97-AF65-F5344CB8AC3E}">
+        <p14:creationId xmlns:p14="http://schemas.microsoft.com/office/powerpoint/2010/main" val="537342029"/>
+      </p:ext>
+    </p:extLst>
+  </p:cSld>
+  <p:clrMapOvr>
+    <a:masterClrMapping/>
+  </p:clrMapOvr>
+</p:sld>
+</file>
+
+<file path=ppt/slides/slide16.xml><?xml version="1.0" encoding="utf-8"?>
+<p:sld xmlns:a="http://schemas.openxmlformats.org/drawingml/2006/main" xmlns:r="http://schemas.openxmlformats.org/officeDocument/2006/relationships" xmlns:p="http://schemas.openxmlformats.org/presentationml/2006/main">
+  <p:cSld>
+    <p:spTree>
+      <p:nvGrpSpPr>
+        <p:cNvPr id="1" name=""/>
+        <p:cNvGrpSpPr/>
+        <p:nvPr/>
+      </p:nvGrpSpPr>
+      <p:grpSpPr>
+        <a:xfrm>
+          <a:off x="0" y="0"/>
+          <a:ext cx="0" cy="0"/>
+          <a:chOff x="0" y="0"/>
+          <a:chExt cx="0" cy="0"/>
+        </a:xfrm>
+      </p:grpSpPr>
+      <p:sp>
+        <p:nvSpPr>
+          <p:cNvPr id="2" name="Title 1">
+            <a:extLst>
+              <a:ext uri="{FF2B5EF4-FFF2-40B4-BE49-F238E27FC236}">
                 <a16:creationId xmlns:a16="http://schemas.microsoft.com/office/drawing/2014/main" id="{F23E412C-C21C-9A47-9132-9BC666325FD4}"/>
               </a:ext>
             </a:extLst>
@@ -12615,7 +12851,7 @@
           <a:p>
             <a:fld id="{20F37917-FD3A-4669-9018-DA04BCDD3D75}" type="slidenum">
               <a:rPr lang="en-US" smtClean="0"/>
-              <a:t>15</a:t>
+              <a:t>16</a:t>
             </a:fld>
             <a:endParaRPr lang="en-US"/>
           </a:p>
@@ -12849,166 +13085,6 @@
 </p:sld>
 </file>
 
-<file path=ppt/slides/slide16.xml><?xml version="1.0" encoding="utf-8"?>
-<p:sld xmlns:a="http://schemas.openxmlformats.org/drawingml/2006/main" xmlns:r="http://schemas.openxmlformats.org/officeDocument/2006/relationships" xmlns:p="http://schemas.openxmlformats.org/presentationml/2006/main">
-  <p:cSld>
-    <p:spTree>
-      <p:nvGrpSpPr>
-        <p:cNvPr id="1" name=""/>
-        <p:cNvGrpSpPr/>
-        <p:nvPr/>
-      </p:nvGrpSpPr>
-      <p:grpSpPr>
-        <a:xfrm>
-          <a:off x="0" y="0"/>
-          <a:ext cx="0" cy="0"/>
-          <a:chOff x="0" y="0"/>
-          <a:chExt cx="0" cy="0"/>
-        </a:xfrm>
-      </p:grpSpPr>
-      <p:sp>
-        <p:nvSpPr>
-          <p:cNvPr id="2" name="Title 1">
-            <a:extLst>
-              <a:ext uri="{FF2B5EF4-FFF2-40B4-BE49-F238E27FC236}">
-                <a16:creationId xmlns:a16="http://schemas.microsoft.com/office/drawing/2014/main" id="{16F86D58-152F-496B-BA81-FDA5B100832A}"/>
-              </a:ext>
-            </a:extLst>
-          </p:cNvPr>
-          <p:cNvSpPr>
-            <a:spLocks noGrp="1"/>
-          </p:cNvSpPr>
-          <p:nvPr>
-            <p:ph type="title"/>
-          </p:nvPr>
-        </p:nvSpPr>
-        <p:spPr/>
-        <p:txBody>
-          <a:bodyPr/>
-          <a:lstStyle/>
-          <a:p>
-            <a:r>
-              <a:rPr lang="en-US" dirty="0"/>
-              <a:t>Non-Functional Requirements:</a:t>
-            </a:r>
-          </a:p>
-        </p:txBody>
-      </p:sp>
-      <p:sp>
-        <p:nvSpPr>
-          <p:cNvPr id="4" name="Slide Number Placeholder 3">
-            <a:extLst>
-              <a:ext uri="{FF2B5EF4-FFF2-40B4-BE49-F238E27FC236}">
-                <a16:creationId xmlns:a16="http://schemas.microsoft.com/office/drawing/2014/main" id="{C7C3DEB3-F948-4B7E-8BDA-FB7ABCF7A993}"/>
-              </a:ext>
-            </a:extLst>
-          </p:cNvPr>
-          <p:cNvSpPr>
-            <a:spLocks noGrp="1"/>
-          </p:cNvSpPr>
-          <p:nvPr>
-            <p:ph type="sldNum" sz="quarter" idx="12"/>
-          </p:nvPr>
-        </p:nvSpPr>
-        <p:spPr/>
-        <p:txBody>
-          <a:bodyPr/>
-          <a:lstStyle/>
-          <a:p>
-            <a:fld id="{20F37917-FD3A-4669-9018-DA04BCDD3D75}" type="slidenum">
-              <a:rPr lang="en-US" smtClean="0"/>
-              <a:t>16</a:t>
-            </a:fld>
-            <a:endParaRPr lang="en-US"/>
-          </a:p>
-        </p:txBody>
-      </p:sp>
-      <p:sp>
-        <p:nvSpPr>
-          <p:cNvPr id="9" name="Content Placeholder 2">
-            <a:extLst>
-              <a:ext uri="{FF2B5EF4-FFF2-40B4-BE49-F238E27FC236}">
-                <a16:creationId xmlns:a16="http://schemas.microsoft.com/office/drawing/2014/main" id="{154B344C-9133-E9C8-0056-74943F854D75}"/>
-              </a:ext>
-            </a:extLst>
-          </p:cNvPr>
-          <p:cNvSpPr>
-            <a:spLocks noGrp="1"/>
-          </p:cNvSpPr>
-          <p:nvPr>
-            <p:ph idx="1"/>
-          </p:nvPr>
-        </p:nvSpPr>
-        <p:spPr>
-          <a:xfrm>
-            <a:off x="838200" y="1500188"/>
-            <a:ext cx="9521142" cy="4351337"/>
-          </a:xfrm>
-        </p:spPr>
-        <p:txBody>
-          <a:bodyPr/>
-          <a:lstStyle/>
-          <a:p>
-            <a:r>
-              <a:rPr lang="en-US" dirty="0"/>
-              <a:t>What other properties might a customer want to know about </a:t>
-            </a:r>
-            <a:r>
-              <a:rPr lang="en-US"/>
-              <a:t>the product?</a:t>
-            </a:r>
-            <a:endParaRPr lang="en-US" dirty="0"/>
-          </a:p>
-          <a:p>
-            <a:pPr lvl="1"/>
-            <a:r>
-              <a:rPr lang="en-US" dirty="0"/>
-              <a:t>How quickly can a transcript be retrieval? (Performance)</a:t>
-            </a:r>
-          </a:p>
-          <a:p>
-            <a:pPr lvl="1"/>
-            <a:r>
-              <a:rPr lang="en-US" dirty="0"/>
-              <a:t>How many student transcripts can our system store? (Scalability)</a:t>
-            </a:r>
-          </a:p>
-          <a:p>
-            <a:pPr lvl="1"/>
-            <a:r>
-              <a:rPr lang="en-US" dirty="0"/>
-              <a:t>How long did I spend on the phone with support to set up the software? (Usability)</a:t>
-            </a:r>
-          </a:p>
-          <a:p>
-            <a:pPr lvl="1"/>
-            <a:r>
-              <a:rPr lang="en-US" dirty="0"/>
-              <a:t>After my system is setup, is the access controlled at all? (Security)</a:t>
-            </a:r>
-          </a:p>
-          <a:p>
-            <a:pPr lvl="1"/>
-            <a:r>
-              <a:rPr lang="en-US" dirty="0"/>
-              <a:t>Are these any times when I can’t use this system? (Availability) </a:t>
-            </a:r>
-          </a:p>
-        </p:txBody>
-      </p:sp>
-    </p:spTree>
-    <p:extLst>
-      <p:ext uri="{BB962C8B-B14F-4D97-AF65-F5344CB8AC3E}">
-        <p14:creationId xmlns:p14="http://schemas.microsoft.com/office/powerpoint/2010/main" val="3635116464"/>
-      </p:ext>
-    </p:extLst>
-  </p:cSld>
-  <p:clrMapOvr>
-    <a:masterClrMapping/>
-  </p:clrMapOvr>
-</p:sld>
-</file>
-
 <file path=ppt/slides/slide17.xml><?xml version="1.0" encoding="utf-8"?>
 <p:sld xmlns:a="http://schemas.openxmlformats.org/drawingml/2006/main" xmlns:r="http://schemas.openxmlformats.org/officeDocument/2006/relationships" xmlns:p="http://schemas.openxmlformats.org/presentationml/2006/main">
   <p:cSld>
@@ -13049,7 +13125,7 @@
           <a:p>
             <a:r>
               <a:rPr lang="en-US" dirty="0"/>
-              <a:t>Requirements: Which to pick?</a:t>
+              <a:t>Non-Functional Requirements:</a:t>
             </a:r>
           </a:p>
         </p:txBody>
@@ -13085,10 +13161,10 @@
       </p:sp>
       <p:sp>
         <p:nvSpPr>
-          <p:cNvPr id="7" name="Content Placeholder 6">
+          <p:cNvPr id="9" name="Content Placeholder 2">
             <a:extLst>
               <a:ext uri="{FF2B5EF4-FFF2-40B4-BE49-F238E27FC236}">
-                <a16:creationId xmlns:a16="http://schemas.microsoft.com/office/drawing/2014/main" id="{695B468C-8A4C-334E-9ECE-6E4EE06EEA36}"/>
+                <a16:creationId xmlns:a16="http://schemas.microsoft.com/office/drawing/2014/main" id="{154B344C-9133-E9C8-0056-74943F854D75}"/>
               </a:ext>
             </a:extLst>
           </p:cNvPr>
@@ -13101,8 +13177,8 @@
         </p:nvSpPr>
         <p:spPr>
           <a:xfrm>
-            <a:off x="838200" y="1500160"/>
-            <a:ext cx="10515600" cy="4351338"/>
+            <a:off x="838200" y="1500188"/>
+            <a:ext cx="9521142" cy="4351337"/>
           </a:xfrm>
         </p:spPr>
         <p:txBody>
@@ -13111,114 +13187,55 @@
           <a:p>
             <a:r>
               <a:rPr lang="en-US" dirty="0"/>
-              <a:t>There are four knobs you can adjust when negotiating requirements:</a:t>
-            </a:r>
+              <a:t>What other properties might a customer want to know about </a:t>
+            </a:r>
+            <a:r>
+              <a:rPr lang="en-US"/>
+              <a:t>the product?</a:t>
+            </a:r>
+            <a:endParaRPr lang="en-US" dirty="0"/>
           </a:p>
           <a:p>
             <a:pPr lvl="1"/>
             <a:r>
               <a:rPr lang="en-US" dirty="0"/>
-              <a:t>Project scope</a:t>
+              <a:t>How quickly can a transcript be retrieval? (Performance)</a:t>
             </a:r>
           </a:p>
           <a:p>
             <a:pPr lvl="1"/>
             <a:r>
               <a:rPr lang="en-US" dirty="0"/>
-              <a:t>Project duration</a:t>
+              <a:t>How many student transcripts can our system store? (Scalability)</a:t>
             </a:r>
           </a:p>
           <a:p>
             <a:pPr lvl="1"/>
             <a:r>
               <a:rPr lang="en-US" dirty="0"/>
-              <a:t>Project quality</a:t>
+              <a:t>How long did I spend on the phone with support to set up the software? (Usability)</a:t>
             </a:r>
           </a:p>
           <a:p>
             <a:pPr lvl="1"/>
             <a:r>
               <a:rPr lang="en-US" dirty="0"/>
-              <a:t>Project cost</a:t>
-            </a:r>
-          </a:p>
-          <a:p>
+              <a:t>After my system is setup, is the access controlled at all? (Security)</a:t>
+            </a:r>
+          </a:p>
+          <a:p>
+            <a:pPr lvl="1"/>
             <a:r>
               <a:rPr lang="en-US" dirty="0"/>
-              <a:t>Usually cost is most constrained: you have a budget to spend, and you have a headcount of developers to pay</a:t>
-            </a:r>
-          </a:p>
-          <a:p>
-            <a:r>
-              <a:rPr lang="en-US" dirty="0"/>
-              <a:t>Determining feasible scope, timeline and maximizing quality is the subject of much software engineering research, see next lesson</a:t>
-            </a:r>
-          </a:p>
-        </p:txBody>
-      </p:sp>
-      <p:sp>
-        <p:nvSpPr>
-          <p:cNvPr id="8" name="TextBox 7">
-            <a:extLst>
-              <a:ext uri="{FF2B5EF4-FFF2-40B4-BE49-F238E27FC236}">
-                <a16:creationId xmlns:a16="http://schemas.microsoft.com/office/drawing/2014/main" id="{F62F96CF-020C-774F-947B-42E422E24849}"/>
-              </a:ext>
-            </a:extLst>
-          </p:cNvPr>
-          <p:cNvSpPr txBox="1"/>
-          <p:nvPr/>
-        </p:nvSpPr>
-        <p:spPr>
-          <a:xfrm>
-            <a:off x="3683000" y="2641600"/>
-            <a:ext cx="0" cy="0"/>
-          </a:xfrm>
-          <a:prstGeom prst="rect">
-            <a:avLst/>
-          </a:prstGeom>
-          <a:noFill/>
-          <a:ln>
-            <a:noFill/>
-          </a:ln>
-        </p:spPr>
-        <p:style>
-          <a:lnRef idx="2">
-            <a:schemeClr val="accent1">
-              <a:shade val="50000"/>
-            </a:schemeClr>
-          </a:lnRef>
-          <a:fillRef idx="1">
-            <a:schemeClr val="accent1"/>
-          </a:fillRef>
-          <a:effectRef idx="0">
-            <a:schemeClr val="accent1"/>
-          </a:effectRef>
-          <a:fontRef idx="minor">
-            <a:schemeClr val="lt1"/>
-          </a:fontRef>
-        </p:style>
-        <p:txBody>
-          <a:bodyPr rot="0" spcFirstLastPara="0" vertOverflow="overflow" horzOverflow="overflow" vert="horz" wrap="none" lIns="91440" tIns="45720" rIns="91440" bIns="45720" numCol="1" spcCol="0" rtlCol="0" fromWordArt="0" anchor="ctr" anchorCtr="0" forceAA="0" compatLnSpc="1">
-            <a:prstTxWarp prst="textNoShape">
-              <a:avLst/>
-            </a:prstTxWarp>
-            <a:noAutofit/>
-          </a:bodyPr>
-          <a:lstStyle/>
-          <a:p>
-            <a:pPr algn="l"/>
-            <a:endParaRPr lang="en-US" dirty="0">
-              <a:solidFill>
-                <a:schemeClr val="tx1"/>
-              </a:solidFill>
-            </a:endParaRPr>
+              <a:t>Are these any times when I can’t use this system? (Availability) </a:t>
+            </a:r>
           </a:p>
         </p:txBody>
       </p:sp>
     </p:spTree>
     <p:extLst>
       <p:ext uri="{BB962C8B-B14F-4D97-AF65-F5344CB8AC3E}">
-        <p14:creationId xmlns:p14="http://schemas.microsoft.com/office/powerpoint/2010/main" val="537342029"/>
+        <p14:creationId xmlns:p14="http://schemas.microsoft.com/office/powerpoint/2010/main" val="3635116464"/>
       </p:ext>
     </p:extLst>
   </p:cSld>
